--- a/C2T1 Credit One McConnel.pptx
+++ b/C2T1 Credit One McConnel.pptx
@@ -14,6 +14,9 @@
     <p:sldId id="306" r:id="rId11"/>
     <p:sldId id="307" r:id="rId12"/>
     <p:sldId id="308" r:id="rId13"/>
+    <p:sldId id="309" r:id="rId14"/>
+    <p:sldId id="310" r:id="rId15"/>
+    <p:sldId id="311" r:id="rId16"/>
   </p:sldIdLst>
   <p:sldSz cx="12192000" cy="6858000"/>
   <p:notesSz cx="6858000" cy="9144000"/>
@@ -126,722 +129,6 @@
     <p1510:client id="{83D8FF38-7F5C-44A7-BD9C-1E4AD11D42F9}" v="222" dt="2022-04-12T05:29:30.790"/>
   </p1510:revLst>
 </p1510:revInfo>
-</file>
-
-<file path=ppt/changesInfos/changesInfo1.xml><?xml version="1.0" encoding="utf-8"?>
-<pc:chgInfo xmlns:a="http://schemas.openxmlformats.org/drawingml/2006/main" xmlns:r="http://schemas.openxmlformats.org/officeDocument/2006/relationships" xmlns:ac="http://schemas.microsoft.com/office/drawing/2013/main/command" xmlns:pc="http://schemas.microsoft.com/office/powerpoint/2013/main/command">
-  <pc:docChgLst>
-    <pc:chgData name="Marilyn McConnell" userId="1ea86f8606d0c530" providerId="LiveId" clId="{83D8FF38-7F5C-44A7-BD9C-1E4AD11D42F9}"/>
-    <pc:docChg chg="undo redo custSel addSld delSld modSld sldOrd">
-      <pc:chgData name="Marilyn McConnell" userId="1ea86f8606d0c530" providerId="LiveId" clId="{83D8FF38-7F5C-44A7-BD9C-1E4AD11D42F9}" dt="2022-04-12T08:12:04.093" v="5878" actId="20577"/>
-      <pc:docMkLst>
-        <pc:docMk/>
-      </pc:docMkLst>
-      <pc:sldChg chg="addSp delSp modSp mod addAnim setClrOvrMap delDesignElem chgLayout">
-        <pc:chgData name="Marilyn McConnell" userId="1ea86f8606d0c530" providerId="LiveId" clId="{83D8FF38-7F5C-44A7-BD9C-1E4AD11D42F9}" dt="2022-04-12T03:57:38.509" v="611" actId="700"/>
-        <pc:sldMkLst>
-          <pc:docMk/>
-          <pc:sldMk cId="193143965" sldId="298"/>
-        </pc:sldMkLst>
-        <pc:spChg chg="mod ord">
-          <ac:chgData name="Marilyn McConnell" userId="1ea86f8606d0c530" providerId="LiveId" clId="{83D8FF38-7F5C-44A7-BD9C-1E4AD11D42F9}" dt="2022-04-12T03:57:38.509" v="611" actId="700"/>
-          <ac:spMkLst>
-            <pc:docMk/>
-            <pc:sldMk cId="193143965" sldId="298"/>
-            <ac:spMk id="2" creationId="{9AB2EA78-AEB3-469B-9025-3B17201A457B}"/>
-          </ac:spMkLst>
-        </pc:spChg>
-        <pc:spChg chg="mod ord">
-          <ac:chgData name="Marilyn McConnell" userId="1ea86f8606d0c530" providerId="LiveId" clId="{83D8FF38-7F5C-44A7-BD9C-1E4AD11D42F9}" dt="2022-04-12T03:57:38.509" v="611" actId="700"/>
-          <ac:spMkLst>
-            <pc:docMk/>
-            <pc:sldMk cId="193143965" sldId="298"/>
-            <ac:spMk id="3" creationId="{255E1F2F-E259-4EA8-9FFD-3A10AF541859}"/>
-          </ac:spMkLst>
-        </pc:spChg>
-        <pc:spChg chg="add del mod">
-          <ac:chgData name="Marilyn McConnell" userId="1ea86f8606d0c530" providerId="LiveId" clId="{83D8FF38-7F5C-44A7-BD9C-1E4AD11D42F9}" dt="2022-04-12T03:55:12.352" v="597" actId="478"/>
-          <ac:spMkLst>
-            <pc:docMk/>
-            <pc:sldMk cId="193143965" sldId="298"/>
-            <ac:spMk id="9" creationId="{B4E08166-D253-47F0-B645-B11B4C05D67D}"/>
-          </ac:spMkLst>
-        </pc:spChg>
-        <pc:spChg chg="add del mod ord">
-          <ac:chgData name="Marilyn McConnell" userId="1ea86f8606d0c530" providerId="LiveId" clId="{83D8FF38-7F5C-44A7-BD9C-1E4AD11D42F9}" dt="2022-04-12T03:57:38.509" v="611" actId="700"/>
-          <ac:spMkLst>
-            <pc:docMk/>
-            <pc:sldMk cId="193143965" sldId="298"/>
-            <ac:spMk id="10" creationId="{61D01DCA-C12E-4D15-98CC-1718F40BBAF7}"/>
-          </ac:spMkLst>
-        </pc:spChg>
-        <pc:spChg chg="add del">
-          <ac:chgData name="Marilyn McConnell" userId="1ea86f8606d0c530" providerId="LiveId" clId="{83D8FF38-7F5C-44A7-BD9C-1E4AD11D42F9}" dt="2022-04-12T03:55:45.332" v="601" actId="26606"/>
-          <ac:spMkLst>
-            <pc:docMk/>
-            <pc:sldMk cId="193143965" sldId="298"/>
-            <ac:spMk id="14" creationId="{2FDF0794-1B86-42B2-B8C7-F60123E638ED}"/>
-          </ac:spMkLst>
-        </pc:spChg>
-        <pc:spChg chg="add del">
-          <ac:chgData name="Marilyn McConnell" userId="1ea86f8606d0c530" providerId="LiveId" clId="{83D8FF38-7F5C-44A7-BD9C-1E4AD11D42F9}" dt="2022-04-12T03:55:45.332" v="601" actId="26606"/>
-          <ac:spMkLst>
-            <pc:docMk/>
-            <pc:sldMk cId="193143965" sldId="298"/>
-            <ac:spMk id="16" creationId="{EAA48FC5-3C83-4F1B-BC33-DF0B588F8317}"/>
-          </ac:spMkLst>
-        </pc:spChg>
-        <pc:spChg chg="add del">
-          <ac:chgData name="Marilyn McConnell" userId="1ea86f8606d0c530" providerId="LiveId" clId="{83D8FF38-7F5C-44A7-BD9C-1E4AD11D42F9}" dt="2022-04-12T03:56:37.444" v="606"/>
-          <ac:spMkLst>
-            <pc:docMk/>
-            <pc:sldMk cId="193143965" sldId="298"/>
-            <ac:spMk id="23" creationId="{E2E8E5DC-75F3-4CC2-B6EF-83B34094CB91}"/>
-          </ac:spMkLst>
-        </pc:spChg>
-        <pc:spChg chg="del">
-          <ac:chgData name="Marilyn McConnell" userId="1ea86f8606d0c530" providerId="LiveId" clId="{83D8FF38-7F5C-44A7-BD9C-1E4AD11D42F9}" dt="2022-04-05T21:56:56.210" v="331"/>
-          <ac:spMkLst>
-            <pc:docMk/>
-            <pc:sldMk cId="193143965" sldId="298"/>
-            <ac:spMk id="33" creationId="{2FDF0794-1B86-42B2-B8C7-F60123E638ED}"/>
-          </ac:spMkLst>
-        </pc:spChg>
-        <pc:spChg chg="del">
-          <ac:chgData name="Marilyn McConnell" userId="1ea86f8606d0c530" providerId="LiveId" clId="{83D8FF38-7F5C-44A7-BD9C-1E4AD11D42F9}" dt="2022-04-05T21:56:56.210" v="331"/>
-          <ac:spMkLst>
-            <pc:docMk/>
-            <pc:sldMk cId="193143965" sldId="298"/>
-            <ac:spMk id="35" creationId="{C5373426-E26E-431D-959C-5DB96C0B6208}"/>
-          </ac:spMkLst>
-        </pc:spChg>
-        <pc:spChg chg="del">
-          <ac:chgData name="Marilyn McConnell" userId="1ea86f8606d0c530" providerId="LiveId" clId="{83D8FF38-7F5C-44A7-BD9C-1E4AD11D42F9}" dt="2022-04-05T21:56:56.210" v="331"/>
-          <ac:spMkLst>
-            <pc:docMk/>
-            <pc:sldMk cId="193143965" sldId="298"/>
-            <ac:spMk id="39" creationId="{EDC90921-9082-491B-940E-827D679F3478}"/>
-          </ac:spMkLst>
-        </pc:spChg>
-        <pc:picChg chg="mod">
-          <ac:chgData name="Marilyn McConnell" userId="1ea86f8606d0c530" providerId="LiveId" clId="{83D8FF38-7F5C-44A7-BD9C-1E4AD11D42F9}" dt="2022-04-12T03:55:45.332" v="601" actId="26606"/>
-          <ac:picMkLst>
-            <pc:docMk/>
-            <pc:sldMk cId="193143965" sldId="298"/>
-            <ac:picMk id="4" creationId="{65810330-F0B5-43C9-BC34-094FFB5C0529}"/>
-          </ac:picMkLst>
-        </pc:picChg>
-        <pc:picChg chg="add del mod">
-          <ac:chgData name="Marilyn McConnell" userId="1ea86f8606d0c530" providerId="LiveId" clId="{83D8FF38-7F5C-44A7-BD9C-1E4AD11D42F9}" dt="2022-04-12T03:52:03.559" v="589" actId="478"/>
-          <ac:picMkLst>
-            <pc:docMk/>
-            <pc:sldMk cId="193143965" sldId="298"/>
-            <ac:picMk id="6" creationId="{793D8168-C9C1-4AFB-A361-C3F9AA0675E4}"/>
-          </ac:picMkLst>
-        </pc:picChg>
-        <pc:picChg chg="add mod ord">
-          <ac:chgData name="Marilyn McConnell" userId="1ea86f8606d0c530" providerId="LiveId" clId="{83D8FF38-7F5C-44A7-BD9C-1E4AD11D42F9}" dt="2022-04-12T03:57:00.407" v="608" actId="1076"/>
-          <ac:picMkLst>
-            <pc:docMk/>
-            <pc:sldMk cId="193143965" sldId="298"/>
-            <ac:picMk id="8" creationId="{246578C9-C852-4BEF-8FA9-4236E6A48BCC}"/>
-          </ac:picMkLst>
-        </pc:picChg>
-        <pc:cxnChg chg="add del">
-          <ac:chgData name="Marilyn McConnell" userId="1ea86f8606d0c530" providerId="LiveId" clId="{83D8FF38-7F5C-44A7-BD9C-1E4AD11D42F9}" dt="2022-04-12T03:55:45.332" v="601" actId="26606"/>
-          <ac:cxnSpMkLst>
-            <pc:docMk/>
-            <pc:sldMk cId="193143965" sldId="298"/>
-            <ac:cxnSpMk id="18" creationId="{62F01714-1A39-4194-BD47-8A9960C59985}"/>
-          </ac:cxnSpMkLst>
-        </pc:cxnChg>
-        <pc:cxnChg chg="add del">
-          <ac:chgData name="Marilyn McConnell" userId="1ea86f8606d0c530" providerId="LiveId" clId="{83D8FF38-7F5C-44A7-BD9C-1E4AD11D42F9}" dt="2022-04-12T03:56:37.444" v="606"/>
-          <ac:cxnSpMkLst>
-            <pc:docMk/>
-            <pc:sldMk cId="193143965" sldId="298"/>
-            <ac:cxnSpMk id="25" creationId="{46E49661-E258-450C-8150-A91A6B30D1CD}"/>
-          </ac:cxnSpMkLst>
-        </pc:cxnChg>
-        <pc:cxnChg chg="del">
-          <ac:chgData name="Marilyn McConnell" userId="1ea86f8606d0c530" providerId="LiveId" clId="{83D8FF38-7F5C-44A7-BD9C-1E4AD11D42F9}" dt="2022-04-05T21:56:56.210" v="331"/>
-          <ac:cxnSpMkLst>
-            <pc:docMk/>
-            <pc:sldMk cId="193143965" sldId="298"/>
-            <ac:cxnSpMk id="37" creationId="{96D07482-83A3-4451-943C-B46961082957}"/>
-          </ac:cxnSpMkLst>
-        </pc:cxnChg>
-      </pc:sldChg>
-      <pc:sldChg chg="addSp delSp modSp mod setBg modClrScheme delDesignElem chgLayout">
-        <pc:chgData name="Marilyn McConnell" userId="1ea86f8606d0c530" providerId="LiveId" clId="{83D8FF38-7F5C-44A7-BD9C-1E4AD11D42F9}" dt="2022-04-12T05:29:30.790" v="1851" actId="20577"/>
-        <pc:sldMkLst>
-          <pc:docMk/>
-          <pc:sldMk cId="3256013701" sldId="301"/>
-        </pc:sldMkLst>
-        <pc:spChg chg="mod ord">
-          <ac:chgData name="Marilyn McConnell" userId="1ea86f8606d0c530" providerId="LiveId" clId="{83D8FF38-7F5C-44A7-BD9C-1E4AD11D42F9}" dt="2022-04-12T05:04:26.015" v="1036" actId="20577"/>
-          <ac:spMkLst>
-            <pc:docMk/>
-            <pc:sldMk cId="3256013701" sldId="301"/>
-            <ac:spMk id="2" creationId="{DA233054-E3A7-42E5-B37A-8666EFAF10B7}"/>
-          </ac:spMkLst>
-        </pc:spChg>
-        <pc:spChg chg="del mod">
-          <ac:chgData name="Marilyn McConnell" userId="1ea86f8606d0c530" providerId="LiveId" clId="{83D8FF38-7F5C-44A7-BD9C-1E4AD11D42F9}" dt="2022-04-10T01:58:42.018" v="524" actId="26606"/>
-          <ac:spMkLst>
-            <pc:docMk/>
-            <pc:sldMk cId="3256013701" sldId="301"/>
-            <ac:spMk id="3" creationId="{5664D29D-7E98-4FF7-AD14-62F6D3C6B06F}"/>
-          </ac:spMkLst>
-        </pc:spChg>
-        <pc:spChg chg="add mod ord">
-          <ac:chgData name="Marilyn McConnell" userId="1ea86f8606d0c530" providerId="LiveId" clId="{83D8FF38-7F5C-44A7-BD9C-1E4AD11D42F9}" dt="2022-04-12T04:04:28.851" v="712" actId="20577"/>
-          <ac:spMkLst>
-            <pc:docMk/>
-            <pc:sldMk cId="3256013701" sldId="301"/>
-            <ac:spMk id="4" creationId="{5BE7B97A-3334-4240-8A1F-32A6DF92D5FB}"/>
-          </ac:spMkLst>
-        </pc:spChg>
-        <pc:spChg chg="add mod ord">
-          <ac:chgData name="Marilyn McConnell" userId="1ea86f8606d0c530" providerId="LiveId" clId="{83D8FF38-7F5C-44A7-BD9C-1E4AD11D42F9}" dt="2022-04-12T05:26:41.817" v="1839" actId="20577"/>
-          <ac:spMkLst>
-            <pc:docMk/>
-            <pc:sldMk cId="3256013701" sldId="301"/>
-            <ac:spMk id="6" creationId="{1AE3113B-FE1A-440B-9275-FB4E33A98018}"/>
-          </ac:spMkLst>
-        </pc:spChg>
-        <pc:spChg chg="add mod ord">
-          <ac:chgData name="Marilyn McConnell" userId="1ea86f8606d0c530" providerId="LiveId" clId="{83D8FF38-7F5C-44A7-BD9C-1E4AD11D42F9}" dt="2022-04-12T04:03:46.592" v="681" actId="20577"/>
-          <ac:spMkLst>
-            <pc:docMk/>
-            <pc:sldMk cId="3256013701" sldId="301"/>
-            <ac:spMk id="8" creationId="{BE7DD7C0-1A66-4D96-89DC-936C78477E3D}"/>
-          </ac:spMkLst>
-        </pc:spChg>
-        <pc:spChg chg="add del mod ord">
-          <ac:chgData name="Marilyn McConnell" userId="1ea86f8606d0c530" providerId="LiveId" clId="{83D8FF38-7F5C-44A7-BD9C-1E4AD11D42F9}" dt="2022-04-12T04:04:09.719" v="685" actId="478"/>
-          <ac:spMkLst>
-            <pc:docMk/>
-            <pc:sldMk cId="3256013701" sldId="301"/>
-            <ac:spMk id="9" creationId="{448AFEEE-1C20-40F3-82FB-FDC85A743283}"/>
-          </ac:spMkLst>
-        </pc:spChg>
-        <pc:spChg chg="add del">
-          <ac:chgData name="Marilyn McConnell" userId="1ea86f8606d0c530" providerId="LiveId" clId="{83D8FF38-7F5C-44A7-BD9C-1E4AD11D42F9}" dt="2022-04-10T01:58:59.738" v="528" actId="26606"/>
-          <ac:spMkLst>
-            <pc:docMk/>
-            <pc:sldMk cId="3256013701" sldId="301"/>
-            <ac:spMk id="11" creationId="{9C0365A3-9839-4FC6-BFF6-7115C711FD37}"/>
-          </ac:spMkLst>
-        </pc:spChg>
-        <pc:spChg chg="add del">
-          <ac:chgData name="Marilyn McConnell" userId="1ea86f8606d0c530" providerId="LiveId" clId="{83D8FF38-7F5C-44A7-BD9C-1E4AD11D42F9}" dt="2022-04-10T01:59:06.257" v="530" actId="26606"/>
-          <ac:spMkLst>
-            <pc:docMk/>
-            <pc:sldMk cId="3256013701" sldId="301"/>
-            <ac:spMk id="13" creationId="{9C0365A3-9839-4FC6-BFF6-7115C711FD37}"/>
-          </ac:spMkLst>
-        </pc:spChg>
-        <pc:spChg chg="add del">
-          <ac:chgData name="Marilyn McConnell" userId="1ea86f8606d0c530" providerId="LiveId" clId="{83D8FF38-7F5C-44A7-BD9C-1E4AD11D42F9}" dt="2022-04-10T01:59:13.263" v="533"/>
-          <ac:spMkLst>
-            <pc:docMk/>
-            <pc:sldMk cId="3256013701" sldId="301"/>
-            <ac:spMk id="16" creationId="{E75B2942-5EB8-4DDF-B28F-FBB3CFBD13A8}"/>
-          </ac:spMkLst>
-        </pc:spChg>
-        <pc:graphicFrameChg chg="add del mod">
-          <ac:chgData name="Marilyn McConnell" userId="1ea86f8606d0c530" providerId="LiveId" clId="{83D8FF38-7F5C-44A7-BD9C-1E4AD11D42F9}" dt="2022-04-10T01:59:06.268" v="531" actId="26606"/>
-          <ac:graphicFrameMkLst>
-            <pc:docMk/>
-            <pc:sldMk cId="3256013701" sldId="301"/>
-            <ac:graphicFrameMk id="5" creationId="{B475F32E-4B33-5748-4329-0D4CCC4D07B6}"/>
-          </ac:graphicFrameMkLst>
-        </pc:graphicFrameChg>
-        <pc:graphicFrameChg chg="add del">
-          <ac:chgData name="Marilyn McConnell" userId="1ea86f8606d0c530" providerId="LiveId" clId="{83D8FF38-7F5C-44A7-BD9C-1E4AD11D42F9}" dt="2022-04-10T01:58:59.738" v="528" actId="26606"/>
-          <ac:graphicFrameMkLst>
-            <pc:docMk/>
-            <pc:sldMk cId="3256013701" sldId="301"/>
-            <ac:graphicFrameMk id="7" creationId="{352E4BB8-B3DF-30F2-2E21-760EEC6458FA}"/>
-          </ac:graphicFrameMkLst>
-        </pc:graphicFrameChg>
-        <pc:graphicFrameChg chg="add del">
-          <ac:chgData name="Marilyn McConnell" userId="1ea86f8606d0c530" providerId="LiveId" clId="{83D8FF38-7F5C-44A7-BD9C-1E4AD11D42F9}" dt="2022-04-10T01:59:06.257" v="530" actId="26606"/>
-          <ac:graphicFrameMkLst>
-            <pc:docMk/>
-            <pc:sldMk cId="3256013701" sldId="301"/>
-            <ac:graphicFrameMk id="14" creationId="{7C142B29-47E3-F8EE-F7E6-285D1D26137B}"/>
-          </ac:graphicFrameMkLst>
-        </pc:graphicFrameChg>
-        <pc:graphicFrameChg chg="add mod">
-          <ac:chgData name="Marilyn McConnell" userId="1ea86f8606d0c530" providerId="LiveId" clId="{83D8FF38-7F5C-44A7-BD9C-1E4AD11D42F9}" dt="2022-04-12T05:29:30.790" v="1851" actId="20577"/>
-          <ac:graphicFrameMkLst>
-            <pc:docMk/>
-            <pc:sldMk cId="3256013701" sldId="301"/>
-            <ac:graphicFrameMk id="18" creationId="{F5623E04-5B42-BE57-1418-63202DA3327B}"/>
-          </ac:graphicFrameMkLst>
-        </pc:graphicFrameChg>
-        <pc:cxnChg chg="add del">
-          <ac:chgData name="Marilyn McConnell" userId="1ea86f8606d0c530" providerId="LiveId" clId="{83D8FF38-7F5C-44A7-BD9C-1E4AD11D42F9}" dt="2022-04-10T01:59:13.263" v="533"/>
-          <ac:cxnSpMkLst>
-            <pc:docMk/>
-            <pc:sldMk cId="3256013701" sldId="301"/>
-            <ac:cxnSpMk id="17" creationId="{35E2CABE-723A-4CF7-9B8E-761BD34EBB9D}"/>
-          </ac:cxnSpMkLst>
-        </pc:cxnChg>
-      </pc:sldChg>
-      <pc:sldChg chg="addSp delSp modSp mod setBg delDesignElem">
-        <pc:chgData name="Marilyn McConnell" userId="1ea86f8606d0c530" providerId="LiveId" clId="{83D8FF38-7F5C-44A7-BD9C-1E4AD11D42F9}" dt="2022-04-12T05:26:01.651" v="1825" actId="20577"/>
-        <pc:sldMkLst>
-          <pc:docMk/>
-          <pc:sldMk cId="1110762648" sldId="302"/>
-        </pc:sldMkLst>
-        <pc:spChg chg="mod">
-          <ac:chgData name="Marilyn McConnell" userId="1ea86f8606d0c530" providerId="LiveId" clId="{83D8FF38-7F5C-44A7-BD9C-1E4AD11D42F9}" dt="2022-04-12T05:26:01.651" v="1825" actId="20577"/>
-          <ac:spMkLst>
-            <pc:docMk/>
-            <pc:sldMk cId="1110762648" sldId="302"/>
-            <ac:spMk id="2" creationId="{BCDF7B9A-E7D7-40D5-A578-1E9B5B95B399}"/>
-          </ac:spMkLst>
-        </pc:spChg>
-        <pc:spChg chg="del mod">
-          <ac:chgData name="Marilyn McConnell" userId="1ea86f8606d0c530" providerId="LiveId" clId="{83D8FF38-7F5C-44A7-BD9C-1E4AD11D42F9}" dt="2022-04-05T16:49:46.936" v="328" actId="478"/>
-          <ac:spMkLst>
-            <pc:docMk/>
-            <pc:sldMk cId="1110762648" sldId="302"/>
-            <ac:spMk id="3" creationId="{3F047E29-8224-4F21-B0FC-BF577051D245}"/>
-          </ac:spMkLst>
-        </pc:spChg>
-        <pc:spChg chg="del mod">
-          <ac:chgData name="Marilyn McConnell" userId="1ea86f8606d0c530" providerId="LiveId" clId="{83D8FF38-7F5C-44A7-BD9C-1E4AD11D42F9}" dt="2022-04-05T09:47:35.241" v="25" actId="478"/>
-          <ac:spMkLst>
-            <pc:docMk/>
-            <pc:sldMk cId="1110762648" sldId="302"/>
-            <ac:spMk id="4" creationId="{7544E9FE-7355-494C-922A-9CF257B25383}"/>
-          </ac:spMkLst>
-        </pc:spChg>
-        <pc:spChg chg="add del mod">
-          <ac:chgData name="Marilyn McConnell" userId="1ea86f8606d0c530" providerId="LiveId" clId="{83D8FF38-7F5C-44A7-BD9C-1E4AD11D42F9}" dt="2022-04-05T21:56:03.830" v="329" actId="1032"/>
-          <ac:spMkLst>
-            <pc:docMk/>
-            <pc:sldMk cId="1110762648" sldId="302"/>
-            <ac:spMk id="7" creationId="{90D66FC1-9807-41E4-B405-9EF5E1DAFA3E}"/>
-          </ac:spMkLst>
-        </pc:spChg>
-        <pc:spChg chg="add del mod">
-          <ac:chgData name="Marilyn McConnell" userId="1ea86f8606d0c530" providerId="LiveId" clId="{83D8FF38-7F5C-44A7-BD9C-1E4AD11D42F9}" dt="2022-04-12T05:15:28.205" v="1414"/>
-          <ac:spMkLst>
-            <pc:docMk/>
-            <pc:sldMk cId="1110762648" sldId="302"/>
-            <ac:spMk id="9" creationId="{656B1BBE-7F7B-4B12-8FB9-1D4C8FB76259}"/>
-          </ac:spMkLst>
-        </pc:spChg>
-        <pc:spChg chg="add del mod">
-          <ac:chgData name="Marilyn McConnell" userId="1ea86f8606d0c530" providerId="LiveId" clId="{83D8FF38-7F5C-44A7-BD9C-1E4AD11D42F9}" dt="2022-04-12T05:15:45.660" v="1416"/>
-          <ac:spMkLst>
-            <pc:docMk/>
-            <pc:sldMk cId="1110762648" sldId="302"/>
-            <ac:spMk id="16" creationId="{11A4AD8E-6D60-43E9-B880-7CBD50FA3688}"/>
-          </ac:spMkLst>
-        </pc:spChg>
-        <pc:spChg chg="add del">
-          <ac:chgData name="Marilyn McConnell" userId="1ea86f8606d0c530" providerId="LiveId" clId="{83D8FF38-7F5C-44A7-BD9C-1E4AD11D42F9}" dt="2022-04-10T02:00:11.287" v="538" actId="26606"/>
-          <ac:spMkLst>
-            <pc:docMk/>
-            <pc:sldMk cId="1110762648" sldId="302"/>
-            <ac:spMk id="18" creationId="{CA4D39DB-AFA4-47BA-A7F2-13A71D210C66}"/>
-          </ac:spMkLst>
-        </pc:spChg>
-        <pc:spChg chg="add mod">
-          <ac:chgData name="Marilyn McConnell" userId="1ea86f8606d0c530" providerId="LiveId" clId="{83D8FF38-7F5C-44A7-BD9C-1E4AD11D42F9}" dt="2022-04-12T05:25:06.833" v="1680" actId="20577"/>
-          <ac:spMkLst>
-            <pc:docMk/>
-            <pc:sldMk cId="1110762648" sldId="302"/>
-            <ac:spMk id="19" creationId="{B3F05C55-E4A7-4A97-A157-C872D3B82772}"/>
-          </ac:spMkLst>
-        </pc:spChg>
-        <pc:graphicFrameChg chg="add del modGraphic">
-          <ac:chgData name="Marilyn McConnell" userId="1ea86f8606d0c530" providerId="LiveId" clId="{83D8FF38-7F5C-44A7-BD9C-1E4AD11D42F9}" dt="2022-04-05T16:49:42.200" v="327" actId="478"/>
-          <ac:graphicFrameMkLst>
-            <pc:docMk/>
-            <pc:sldMk cId="1110762648" sldId="302"/>
-            <ac:graphicFrameMk id="5" creationId="{985D4752-EEA4-437A-A005-7A8D289CAE56}"/>
-          </ac:graphicFrameMkLst>
-        </pc:graphicFrameChg>
-        <pc:graphicFrameChg chg="add mod modGraphic">
-          <ac:chgData name="Marilyn McConnell" userId="1ea86f8606d0c530" providerId="LiveId" clId="{83D8FF38-7F5C-44A7-BD9C-1E4AD11D42F9}" dt="2022-04-12T05:18:08.586" v="1504"/>
-          <ac:graphicFrameMkLst>
-            <pc:docMk/>
-            <pc:sldMk cId="1110762648" sldId="302"/>
-            <ac:graphicFrameMk id="8" creationId="{7ACA0ADE-5CDE-4210-BD6A-67BF32033173}"/>
-          </ac:graphicFrameMkLst>
-        </pc:graphicFrameChg>
-        <pc:cxnChg chg="add del">
-          <ac:chgData name="Marilyn McConnell" userId="1ea86f8606d0c530" providerId="LiveId" clId="{83D8FF38-7F5C-44A7-BD9C-1E4AD11D42F9}" dt="2022-04-10T01:59:40.282" v="536" actId="26606"/>
-          <ac:cxnSpMkLst>
-            <pc:docMk/>
-            <pc:sldMk cId="1110762648" sldId="302"/>
-            <ac:cxnSpMk id="13" creationId="{15F1CC53-719A-4763-BF30-5E25A63CEF3C}"/>
-          </ac:cxnSpMkLst>
-        </pc:cxnChg>
-        <pc:cxnChg chg="add del">
-          <ac:chgData name="Marilyn McConnell" userId="1ea86f8606d0c530" providerId="LiveId" clId="{83D8FF38-7F5C-44A7-BD9C-1E4AD11D42F9}" dt="2022-04-10T01:59:40.282" v="536" actId="26606"/>
-          <ac:cxnSpMkLst>
-            <pc:docMk/>
-            <pc:sldMk cId="1110762648" sldId="302"/>
-            <ac:cxnSpMk id="15" creationId="{3FEFDF7D-B17C-4F16-B8BE-C55FFC7E295E}"/>
-          </ac:cxnSpMkLst>
-        </pc:cxnChg>
-        <pc:cxnChg chg="add del">
-          <ac:chgData name="Marilyn McConnell" userId="1ea86f8606d0c530" providerId="LiveId" clId="{83D8FF38-7F5C-44A7-BD9C-1E4AD11D42F9}" dt="2022-04-10T02:00:11.287" v="538" actId="26606"/>
-          <ac:cxnSpMkLst>
-            <pc:docMk/>
-            <pc:sldMk cId="1110762648" sldId="302"/>
-            <ac:cxnSpMk id="17" creationId="{9200C8B5-FB5A-4F8B-A9BD-693C051418A3}"/>
-          </ac:cxnSpMkLst>
-        </pc:cxnChg>
-        <pc:cxnChg chg="add del">
-          <ac:chgData name="Marilyn McConnell" userId="1ea86f8606d0c530" providerId="LiveId" clId="{83D8FF38-7F5C-44A7-BD9C-1E4AD11D42F9}" dt="2022-04-12T03:56:37.444" v="606"/>
-          <ac:cxnSpMkLst>
-            <pc:docMk/>
-            <pc:sldMk cId="1110762648" sldId="302"/>
-            <ac:cxnSpMk id="23" creationId="{22953FD7-F17A-4D8D-8237-93E8D567166C}"/>
-          </ac:cxnSpMkLst>
-        </pc:cxnChg>
-      </pc:sldChg>
-      <pc:sldChg chg="addSp delSp modSp new mod modClrScheme chgLayout">
-        <pc:chgData name="Marilyn McConnell" userId="1ea86f8606d0c530" providerId="LiveId" clId="{83D8FF38-7F5C-44A7-BD9C-1E4AD11D42F9}" dt="2022-04-12T06:56:37.782" v="4133" actId="20577"/>
-        <pc:sldMkLst>
-          <pc:docMk/>
-          <pc:sldMk cId="2906709384" sldId="303"/>
-        </pc:sldMkLst>
-        <pc:spChg chg="del mod ord">
-          <ac:chgData name="Marilyn McConnell" userId="1ea86f8606d0c530" providerId="LiveId" clId="{83D8FF38-7F5C-44A7-BD9C-1E4AD11D42F9}" dt="2022-04-05T22:21:24.797" v="498" actId="700"/>
-          <ac:spMkLst>
-            <pc:docMk/>
-            <pc:sldMk cId="2906709384" sldId="303"/>
-            <ac:spMk id="2" creationId="{341B01DC-11B3-4CBE-8A14-B5D7025F1735}"/>
-          </ac:spMkLst>
-        </pc:spChg>
-        <pc:spChg chg="del mod ord">
-          <ac:chgData name="Marilyn McConnell" userId="1ea86f8606d0c530" providerId="LiveId" clId="{83D8FF38-7F5C-44A7-BD9C-1E4AD11D42F9}" dt="2022-04-05T22:21:24.797" v="498" actId="700"/>
-          <ac:spMkLst>
-            <pc:docMk/>
-            <pc:sldMk cId="2906709384" sldId="303"/>
-            <ac:spMk id="3" creationId="{DF74613C-CB66-4C2A-A8E1-88B46A5BF368}"/>
-          </ac:spMkLst>
-        </pc:spChg>
-        <pc:spChg chg="del mod ord">
-          <ac:chgData name="Marilyn McConnell" userId="1ea86f8606d0c530" providerId="LiveId" clId="{83D8FF38-7F5C-44A7-BD9C-1E4AD11D42F9}" dt="2022-04-05T22:21:24.797" v="498" actId="700"/>
-          <ac:spMkLst>
-            <pc:docMk/>
-            <pc:sldMk cId="2906709384" sldId="303"/>
-            <ac:spMk id="4" creationId="{74269B2C-4FA7-4530-9747-45105C1F56DF}"/>
-          </ac:spMkLst>
-        </pc:spChg>
-        <pc:spChg chg="del">
-          <ac:chgData name="Marilyn McConnell" userId="1ea86f8606d0c530" providerId="LiveId" clId="{83D8FF38-7F5C-44A7-BD9C-1E4AD11D42F9}" dt="2022-04-05T22:21:24.797" v="498" actId="700"/>
-          <ac:spMkLst>
-            <pc:docMk/>
-            <pc:sldMk cId="2906709384" sldId="303"/>
-            <ac:spMk id="5" creationId="{AF4259E8-E2C6-42D3-B524-BF99E27A9949}"/>
-          </ac:spMkLst>
-        </pc:spChg>
-        <pc:spChg chg="del">
-          <ac:chgData name="Marilyn McConnell" userId="1ea86f8606d0c530" providerId="LiveId" clId="{83D8FF38-7F5C-44A7-BD9C-1E4AD11D42F9}" dt="2022-04-05T22:21:24.797" v="498" actId="700"/>
-          <ac:spMkLst>
-            <pc:docMk/>
-            <pc:sldMk cId="2906709384" sldId="303"/>
-            <ac:spMk id="6" creationId="{4C802A43-830F-4486-BB0E-355D7AB2C498}"/>
-          </ac:spMkLst>
-        </pc:spChg>
-        <pc:spChg chg="add mod ord">
-          <ac:chgData name="Marilyn McConnell" userId="1ea86f8606d0c530" providerId="LiveId" clId="{83D8FF38-7F5C-44A7-BD9C-1E4AD11D42F9}" dt="2022-04-12T05:25:43.217" v="1780" actId="20577"/>
-          <ac:spMkLst>
-            <pc:docMk/>
-            <pc:sldMk cId="2906709384" sldId="303"/>
-            <ac:spMk id="7" creationId="{42C26081-7E06-425A-BB6A-A5D61714B852}"/>
-          </ac:spMkLst>
-        </pc:spChg>
-        <pc:spChg chg="add del mod ord">
-          <ac:chgData name="Marilyn McConnell" userId="1ea86f8606d0c530" providerId="LiveId" clId="{83D8FF38-7F5C-44A7-BD9C-1E4AD11D42F9}" dt="2022-04-12T05:25:19.444" v="1681" actId="700"/>
-          <ac:spMkLst>
-            <pc:docMk/>
-            <pc:sldMk cId="2906709384" sldId="303"/>
-            <ac:spMk id="8" creationId="{AD8BBCBC-6F05-4EF0-8D64-F08F443E37A4}"/>
-          </ac:spMkLst>
-        </pc:spChg>
-        <pc:spChg chg="add del mod ord">
-          <ac:chgData name="Marilyn McConnell" userId="1ea86f8606d0c530" providerId="LiveId" clId="{83D8FF38-7F5C-44A7-BD9C-1E4AD11D42F9}" dt="2022-04-12T05:25:19.444" v="1681" actId="700"/>
-          <ac:spMkLst>
-            <pc:docMk/>
-            <pc:sldMk cId="2906709384" sldId="303"/>
-            <ac:spMk id="9" creationId="{87628DCC-E2C0-46D2-9D63-9EE29CFF85F9}"/>
-          </ac:spMkLst>
-        </pc:spChg>
-        <pc:spChg chg="add mod ord">
-          <ac:chgData name="Marilyn McConnell" userId="1ea86f8606d0c530" providerId="LiveId" clId="{83D8FF38-7F5C-44A7-BD9C-1E4AD11D42F9}" dt="2022-04-12T05:32:26.703" v="1891" actId="20577"/>
-          <ac:spMkLst>
-            <pc:docMk/>
-            <pc:sldMk cId="2906709384" sldId="303"/>
-            <ac:spMk id="10" creationId="{B836B0CF-1DE8-4C2C-BE74-E7272350AD49}"/>
-          </ac:spMkLst>
-        </pc:spChg>
-        <pc:spChg chg="add mod ord">
-          <ac:chgData name="Marilyn McConnell" userId="1ea86f8606d0c530" providerId="LiveId" clId="{83D8FF38-7F5C-44A7-BD9C-1E4AD11D42F9}" dt="2022-04-12T06:56:37.782" v="4133" actId="20577"/>
-          <ac:spMkLst>
-            <pc:docMk/>
-            <pc:sldMk cId="2906709384" sldId="303"/>
-            <ac:spMk id="11" creationId="{64A03150-A35E-408C-9CAD-E6BA72D15F9A}"/>
-          </ac:spMkLst>
-        </pc:spChg>
-        <pc:spChg chg="add mod ord">
-          <ac:chgData name="Marilyn McConnell" userId="1ea86f8606d0c530" providerId="LiveId" clId="{83D8FF38-7F5C-44A7-BD9C-1E4AD11D42F9}" dt="2022-04-12T05:32:35.035" v="1906" actId="20577"/>
-          <ac:spMkLst>
-            <pc:docMk/>
-            <pc:sldMk cId="2906709384" sldId="303"/>
-            <ac:spMk id="12" creationId="{C23BEBCA-571B-4B89-892A-2888C6549E34}"/>
-          </ac:spMkLst>
-        </pc:spChg>
-        <pc:spChg chg="add mod ord">
-          <ac:chgData name="Marilyn McConnell" userId="1ea86f8606d0c530" providerId="LiveId" clId="{83D8FF38-7F5C-44A7-BD9C-1E4AD11D42F9}" dt="2022-04-12T06:21:25.010" v="3500" actId="20577"/>
-          <ac:spMkLst>
-            <pc:docMk/>
-            <pc:sldMk cId="2906709384" sldId="303"/>
-            <ac:spMk id="13" creationId="{25C23E25-D97E-4396-9A4D-F97248B7F44F}"/>
-          </ac:spMkLst>
-        </pc:spChg>
-      </pc:sldChg>
-      <pc:sldChg chg="addSp delSp modSp new mod chgLayout">
-        <pc:chgData name="Marilyn McConnell" userId="1ea86f8606d0c530" providerId="LiveId" clId="{83D8FF38-7F5C-44A7-BD9C-1E4AD11D42F9}" dt="2022-04-12T05:14:28.328" v="1386" actId="20577"/>
-        <pc:sldMkLst>
-          <pc:docMk/>
-          <pc:sldMk cId="3639834956" sldId="304"/>
-        </pc:sldMkLst>
-        <pc:spChg chg="mod ord">
-          <ac:chgData name="Marilyn McConnell" userId="1ea86f8606d0c530" providerId="LiveId" clId="{83D8FF38-7F5C-44A7-BD9C-1E4AD11D42F9}" dt="2022-04-12T05:04:59.298" v="1074" actId="20577"/>
-          <ac:spMkLst>
-            <pc:docMk/>
-            <pc:sldMk cId="3639834956" sldId="304"/>
-            <ac:spMk id="2" creationId="{75B6F795-391B-4461-AA52-C6D451196DA9}"/>
-          </ac:spMkLst>
-        </pc:spChg>
-        <pc:spChg chg="del">
-          <ac:chgData name="Marilyn McConnell" userId="1ea86f8606d0c530" providerId="LiveId" clId="{83D8FF38-7F5C-44A7-BD9C-1E4AD11D42F9}" dt="2022-04-12T04:58:53.456" v="809" actId="478"/>
-          <ac:spMkLst>
-            <pc:docMk/>
-            <pc:sldMk cId="3639834956" sldId="304"/>
-            <ac:spMk id="3" creationId="{DF92C9EE-FB8F-4042-B294-E67CF2B36F89}"/>
-          </ac:spMkLst>
-        </pc:spChg>
-        <pc:spChg chg="mod ord">
-          <ac:chgData name="Marilyn McConnell" userId="1ea86f8606d0c530" providerId="LiveId" clId="{83D8FF38-7F5C-44A7-BD9C-1E4AD11D42F9}" dt="2022-04-12T05:14:28.328" v="1386" actId="20577"/>
-          <ac:spMkLst>
-            <pc:docMk/>
-            <pc:sldMk cId="3639834956" sldId="304"/>
-            <ac:spMk id="4" creationId="{AD89EC94-5779-4676-81CB-FE2091A473B1}"/>
-          </ac:spMkLst>
-        </pc:spChg>
-        <pc:spChg chg="del">
-          <ac:chgData name="Marilyn McConnell" userId="1ea86f8606d0c530" providerId="LiveId" clId="{83D8FF38-7F5C-44A7-BD9C-1E4AD11D42F9}" dt="2022-04-12T04:58:55.153" v="810" actId="478"/>
-          <ac:spMkLst>
-            <pc:docMk/>
-            <pc:sldMk cId="3639834956" sldId="304"/>
-            <ac:spMk id="5" creationId="{5F6FAD5A-2242-46BA-BD77-60EB6D82FE8E}"/>
-          </ac:spMkLst>
-        </pc:spChg>
-        <pc:spChg chg="del mod">
-          <ac:chgData name="Marilyn McConnell" userId="1ea86f8606d0c530" providerId="LiveId" clId="{83D8FF38-7F5C-44A7-BD9C-1E4AD11D42F9}" dt="2022-04-12T04:59:03.539" v="812" actId="478"/>
-          <ac:spMkLst>
-            <pc:docMk/>
-            <pc:sldMk cId="3639834956" sldId="304"/>
-            <ac:spMk id="6" creationId="{89950927-C115-4BAB-AC38-950E07A63F69}"/>
-          </ac:spMkLst>
-        </pc:spChg>
-        <pc:spChg chg="add mod ord">
-          <ac:chgData name="Marilyn McConnell" userId="1ea86f8606d0c530" providerId="LiveId" clId="{83D8FF38-7F5C-44A7-BD9C-1E4AD11D42F9}" dt="2022-04-12T05:04:52.593" v="1053" actId="20577"/>
-          <ac:spMkLst>
-            <pc:docMk/>
-            <pc:sldMk cId="3639834956" sldId="304"/>
-            <ac:spMk id="7" creationId="{704CA189-1F35-49E2-ABFB-4902A0B85FE6}"/>
-          </ac:spMkLst>
-        </pc:spChg>
-        <pc:spChg chg="add mod ord">
-          <ac:chgData name="Marilyn McConnell" userId="1ea86f8606d0c530" providerId="LiveId" clId="{83D8FF38-7F5C-44A7-BD9C-1E4AD11D42F9}" dt="2022-04-12T05:06:27.563" v="1131" actId="20577"/>
-          <ac:spMkLst>
-            <pc:docMk/>
-            <pc:sldMk cId="3639834956" sldId="304"/>
-            <ac:spMk id="8" creationId="{351C6701-A4EB-4407-85F2-7D9C15E25918}"/>
-          </ac:spMkLst>
-        </pc:spChg>
-        <pc:spChg chg="add mod ord">
-          <ac:chgData name="Marilyn McConnell" userId="1ea86f8606d0c530" providerId="LiveId" clId="{83D8FF38-7F5C-44A7-BD9C-1E4AD11D42F9}" dt="2022-04-12T05:14:17.960" v="1367" actId="20577"/>
-          <ac:spMkLst>
-            <pc:docMk/>
-            <pc:sldMk cId="3639834956" sldId="304"/>
-            <ac:spMk id="9" creationId="{9ED23793-27AD-4928-8338-04353B733AFF}"/>
-          </ac:spMkLst>
-        </pc:spChg>
-      </pc:sldChg>
-      <pc:sldChg chg="modSp new del mod">
-        <pc:chgData name="Marilyn McConnell" userId="1ea86f8606d0c530" providerId="LiveId" clId="{83D8FF38-7F5C-44A7-BD9C-1E4AD11D42F9}" dt="2022-04-12T03:59:55.073" v="652" actId="2696"/>
-        <pc:sldMkLst>
-          <pc:docMk/>
-          <pc:sldMk cId="3834665790" sldId="304"/>
-        </pc:sldMkLst>
-        <pc:spChg chg="mod">
-          <ac:chgData name="Marilyn McConnell" userId="1ea86f8606d0c530" providerId="LiveId" clId="{83D8FF38-7F5C-44A7-BD9C-1E4AD11D42F9}" dt="2022-04-12T03:57:49.958" v="621" actId="20577"/>
-          <ac:spMkLst>
-            <pc:docMk/>
-            <pc:sldMk cId="3834665790" sldId="304"/>
-            <ac:spMk id="2" creationId="{A64DEAAC-01A4-495D-A59F-901B93BE033A}"/>
-          </ac:spMkLst>
-        </pc:spChg>
-      </pc:sldChg>
-      <pc:sldChg chg="delSp modSp new mod">
-        <pc:chgData name="Marilyn McConnell" userId="1ea86f8606d0c530" providerId="LiveId" clId="{83D8FF38-7F5C-44A7-BD9C-1E4AD11D42F9}" dt="2022-04-12T07:26:36.179" v="4809" actId="20577"/>
-        <pc:sldMkLst>
-          <pc:docMk/>
-          <pc:sldMk cId="424386812" sldId="305"/>
-        </pc:sldMkLst>
-        <pc:spChg chg="mod">
-          <ac:chgData name="Marilyn McConnell" userId="1ea86f8606d0c530" providerId="LiveId" clId="{83D8FF38-7F5C-44A7-BD9C-1E4AD11D42F9}" dt="2022-04-12T06:47:31.446" v="4079" actId="20577"/>
-          <ac:spMkLst>
-            <pc:docMk/>
-            <pc:sldMk cId="424386812" sldId="305"/>
-            <ac:spMk id="2" creationId="{11668253-58DD-4C6D-992B-8844306C21B9}"/>
-          </ac:spMkLst>
-        </pc:spChg>
-        <pc:spChg chg="mod">
-          <ac:chgData name="Marilyn McConnell" userId="1ea86f8606d0c530" providerId="LiveId" clId="{83D8FF38-7F5C-44A7-BD9C-1E4AD11D42F9}" dt="2022-04-12T06:57:41.572" v="4156" actId="20577"/>
-          <ac:spMkLst>
-            <pc:docMk/>
-            <pc:sldMk cId="424386812" sldId="305"/>
-            <ac:spMk id="3" creationId="{2BC02CF8-1614-40F1-BAA5-896272E02873}"/>
-          </ac:spMkLst>
-        </pc:spChg>
-        <pc:spChg chg="mod">
-          <ac:chgData name="Marilyn McConnell" userId="1ea86f8606d0c530" providerId="LiveId" clId="{83D8FF38-7F5C-44A7-BD9C-1E4AD11D42F9}" dt="2022-04-12T07:26:36.179" v="4809" actId="20577"/>
-          <ac:spMkLst>
-            <pc:docMk/>
-            <pc:sldMk cId="424386812" sldId="305"/>
-            <ac:spMk id="4" creationId="{DD6BC55E-5093-4FF6-B1C2-58263DAAAF80}"/>
-          </ac:spMkLst>
-        </pc:spChg>
-        <pc:spChg chg="del">
-          <ac:chgData name="Marilyn McConnell" userId="1ea86f8606d0c530" providerId="LiveId" clId="{83D8FF38-7F5C-44A7-BD9C-1E4AD11D42F9}" dt="2022-04-12T06:10:30.822" v="3314" actId="478"/>
-          <ac:spMkLst>
-            <pc:docMk/>
-            <pc:sldMk cId="424386812" sldId="305"/>
-            <ac:spMk id="5" creationId="{8258A24A-C5E5-471F-9B50-46BB75361280}"/>
-          </ac:spMkLst>
-        </pc:spChg>
-        <pc:spChg chg="del">
-          <ac:chgData name="Marilyn McConnell" userId="1ea86f8606d0c530" providerId="LiveId" clId="{83D8FF38-7F5C-44A7-BD9C-1E4AD11D42F9}" dt="2022-04-12T06:10:33.188" v="3315" actId="478"/>
-          <ac:spMkLst>
-            <pc:docMk/>
-            <pc:sldMk cId="424386812" sldId="305"/>
-            <ac:spMk id="6" creationId="{F98AA573-F63F-4E25-859D-C45007EA9C8E}"/>
-          </ac:spMkLst>
-        </pc:spChg>
-      </pc:sldChg>
-      <pc:sldChg chg="modSp new mod ord">
-        <pc:chgData name="Marilyn McConnell" userId="1ea86f8606d0c530" providerId="LiveId" clId="{83D8FF38-7F5C-44A7-BD9C-1E4AD11D42F9}" dt="2022-04-12T07:53:08.850" v="5144" actId="20577"/>
-        <pc:sldMkLst>
-          <pc:docMk/>
-          <pc:sldMk cId="4229572658" sldId="306"/>
-        </pc:sldMkLst>
-        <pc:spChg chg="mod">
-          <ac:chgData name="Marilyn McConnell" userId="1ea86f8606d0c530" providerId="LiveId" clId="{83D8FF38-7F5C-44A7-BD9C-1E4AD11D42F9}" dt="2022-04-12T06:34:52.627" v="3944" actId="20577"/>
-          <ac:spMkLst>
-            <pc:docMk/>
-            <pc:sldMk cId="4229572658" sldId="306"/>
-            <ac:spMk id="2" creationId="{ED285317-DC78-43D9-8AFA-E9D9FC3BA9DC}"/>
-          </ac:spMkLst>
-        </pc:spChg>
-        <pc:spChg chg="mod">
-          <ac:chgData name="Marilyn McConnell" userId="1ea86f8606d0c530" providerId="LiveId" clId="{83D8FF38-7F5C-44A7-BD9C-1E4AD11D42F9}" dt="2022-04-12T07:53:08.850" v="5144" actId="20577"/>
-          <ac:spMkLst>
-            <pc:docMk/>
-            <pc:sldMk cId="4229572658" sldId="306"/>
-            <ac:spMk id="3" creationId="{29E38E85-20FB-4230-B7C3-787BA448D1F5}"/>
-          </ac:spMkLst>
-        </pc:spChg>
-      </pc:sldChg>
-      <pc:sldChg chg="modSp new mod">
-        <pc:chgData name="Marilyn McConnell" userId="1ea86f8606d0c530" providerId="LiveId" clId="{83D8FF38-7F5C-44A7-BD9C-1E4AD11D42F9}" dt="2022-04-12T07:55:21.043" v="5163" actId="207"/>
-        <pc:sldMkLst>
-          <pc:docMk/>
-          <pc:sldMk cId="2404770280" sldId="307"/>
-        </pc:sldMkLst>
-        <pc:spChg chg="mod">
-          <ac:chgData name="Marilyn McConnell" userId="1ea86f8606d0c530" providerId="LiveId" clId="{83D8FF38-7F5C-44A7-BD9C-1E4AD11D42F9}" dt="2022-04-12T07:54:46.292" v="5157" actId="115"/>
-          <ac:spMkLst>
-            <pc:docMk/>
-            <pc:sldMk cId="2404770280" sldId="307"/>
-            <ac:spMk id="2" creationId="{9C6788AF-B1DC-41BA-B895-366BA7536AA3}"/>
-          </ac:spMkLst>
-        </pc:spChg>
-        <pc:spChg chg="mod">
-          <ac:chgData name="Marilyn McConnell" userId="1ea86f8606d0c530" providerId="LiveId" clId="{83D8FF38-7F5C-44A7-BD9C-1E4AD11D42F9}" dt="2022-04-12T07:55:21.043" v="5163" actId="207"/>
-          <ac:spMkLst>
-            <pc:docMk/>
-            <pc:sldMk cId="2404770280" sldId="307"/>
-            <ac:spMk id="3" creationId="{718D03DF-5937-465F-90E9-FDBBB83851E1}"/>
-          </ac:spMkLst>
-        </pc:spChg>
-      </pc:sldChg>
-      <pc:sldChg chg="delSp modSp new mod">
-        <pc:chgData name="Marilyn McConnell" userId="1ea86f8606d0c530" providerId="LiveId" clId="{83D8FF38-7F5C-44A7-BD9C-1E4AD11D42F9}" dt="2022-04-12T08:12:04.093" v="5878" actId="20577"/>
-        <pc:sldMkLst>
-          <pc:docMk/>
-          <pc:sldMk cId="1540841840" sldId="308"/>
-        </pc:sldMkLst>
-        <pc:spChg chg="mod">
-          <ac:chgData name="Marilyn McConnell" userId="1ea86f8606d0c530" providerId="LiveId" clId="{83D8FF38-7F5C-44A7-BD9C-1E4AD11D42F9}" dt="2022-04-12T07:56:51.011" v="5228" actId="20577"/>
-          <ac:spMkLst>
-            <pc:docMk/>
-            <pc:sldMk cId="1540841840" sldId="308"/>
-            <ac:spMk id="2" creationId="{8AF64ED2-7962-4D64-8689-FF95B4F378E2}"/>
-          </ac:spMkLst>
-        </pc:spChg>
-        <pc:spChg chg="del mod">
-          <ac:chgData name="Marilyn McConnell" userId="1ea86f8606d0c530" providerId="LiveId" clId="{83D8FF38-7F5C-44A7-BD9C-1E4AD11D42F9}" dt="2022-04-12T08:08:58.674" v="5638" actId="478"/>
-          <ac:spMkLst>
-            <pc:docMk/>
-            <pc:sldMk cId="1540841840" sldId="308"/>
-            <ac:spMk id="3" creationId="{F791C80D-5DA7-46E7-8918-F7CA96A8F2E0}"/>
-          </ac:spMkLst>
-        </pc:spChg>
-        <pc:spChg chg="mod">
-          <ac:chgData name="Marilyn McConnell" userId="1ea86f8606d0c530" providerId="LiveId" clId="{83D8FF38-7F5C-44A7-BD9C-1E4AD11D42F9}" dt="2022-04-12T08:12:04.093" v="5878" actId="20577"/>
-          <ac:spMkLst>
-            <pc:docMk/>
-            <pc:sldMk cId="1540841840" sldId="308"/>
-            <ac:spMk id="4" creationId="{F2F42B4C-112D-4ACC-A54F-A63E81488647}"/>
-          </ac:spMkLst>
-        </pc:spChg>
-        <pc:spChg chg="del">
-          <ac:chgData name="Marilyn McConnell" userId="1ea86f8606d0c530" providerId="LiveId" clId="{83D8FF38-7F5C-44A7-BD9C-1E4AD11D42F9}" dt="2022-04-12T08:09:10.042" v="5639" actId="478"/>
-          <ac:spMkLst>
-            <pc:docMk/>
-            <pc:sldMk cId="1540841840" sldId="308"/>
-            <ac:spMk id="5" creationId="{34D0D33D-0D75-4ED9-B8CF-B316795A44D6}"/>
-          </ac:spMkLst>
-        </pc:spChg>
-        <pc:spChg chg="del">
-          <ac:chgData name="Marilyn McConnell" userId="1ea86f8606d0c530" providerId="LiveId" clId="{83D8FF38-7F5C-44A7-BD9C-1E4AD11D42F9}" dt="2022-04-12T08:09:17.559" v="5640" actId="478"/>
-          <ac:spMkLst>
-            <pc:docMk/>
-            <pc:sldMk cId="1540841840" sldId="308"/>
-            <ac:spMk id="6" creationId="{6DE42B59-74F5-4EC6-B19D-17FAB10ABE8D}"/>
-          </ac:spMkLst>
-        </pc:spChg>
-      </pc:sldChg>
-    </pc:docChg>
-  </pc:docChgLst>
-</pc:chgInfo>
 </file>
 
 <file path=ppt/diagrams/colors1.xml><?xml version="1.0" encoding="utf-8"?>
@@ -7050,7 +6337,7 @@
           <a:p>
             <a:fld id="{9184DA70-C731-4C70-880D-CCD4705E623C}" type="datetime1">
               <a:rPr lang="en-US" smtClean="0"/>
-              <a:t>4/5/2022</a:t>
+              <a:t>4/12/2022</a:t>
             </a:fld>
             <a:endParaRPr lang="en-US" dirty="0"/>
           </a:p>
@@ -7293,7 +6580,7 @@
           <a:p>
             <a:fld id="{62D6E202-B606-4609-B914-27C9371A1F6D}" type="datetime1">
               <a:rPr lang="en-US" smtClean="0"/>
-              <a:t>4/5/2022</a:t>
+              <a:t>4/12/2022</a:t>
             </a:fld>
             <a:endParaRPr lang="en-US" dirty="0"/>
           </a:p>
@@ -7474,7 +6761,7 @@
           <a:p>
             <a:fld id="{62D6E202-B606-4609-B914-27C9371A1F6D}" type="datetime1">
               <a:rPr lang="en-US" smtClean="0"/>
-              <a:t>4/5/2022</a:t>
+              <a:t>4/12/2022</a:t>
             </a:fld>
             <a:endParaRPr lang="en-US" dirty="0"/>
           </a:p>
@@ -7680,7 +6967,7 @@
           <a:p>
             <a:fld id="{4BE1D723-8F53-4F53-90B0-1982A396982E}" type="datetime1">
               <a:rPr lang="en-US" smtClean="0"/>
-              <a:t>4/5/2022</a:t>
+              <a:t>4/12/2022</a:t>
             </a:fld>
             <a:endParaRPr lang="en-US" dirty="0"/>
           </a:p>
@@ -7937,7 +7224,7 @@
           <a:p>
             <a:fld id="{97669AF7-7BEB-44E4-9852-375E34362B5B}" type="datetime1">
               <a:rPr lang="en-US" smtClean="0"/>
-              <a:t>4/5/2022</a:t>
+              <a:t>4/12/2022</a:t>
             </a:fld>
             <a:endParaRPr lang="en-US" dirty="0"/>
           </a:p>
@@ -8284,7 +7571,7 @@
           <a:p>
             <a:fld id="{BAAAC38D-0552-4C82-B593-E6124DFADBE2}" type="datetime1">
               <a:rPr lang="en-US" smtClean="0"/>
-              <a:t>4/5/2022</a:t>
+              <a:t>4/12/2022</a:t>
             </a:fld>
             <a:endParaRPr lang="en-US" dirty="0"/>
           </a:p>
@@ -8686,7 +7973,7 @@
           <a:p>
             <a:fld id="{D9DF0F1C-5577-4ACB-BB62-DF8F3C494C7E}" type="datetime1">
               <a:rPr lang="en-US" smtClean="0"/>
-              <a:t>4/5/2022</a:t>
+              <a:t>4/12/2022</a:t>
             </a:fld>
             <a:endParaRPr lang="en-US" dirty="0"/>
           </a:p>
@@ -8804,7 +8091,7 @@
           <a:p>
             <a:fld id="{1775B394-D9F9-4F0C-B15D-605F45CB9E9F}" type="datetime1">
               <a:rPr lang="en-US" smtClean="0"/>
-              <a:t>4/5/2022</a:t>
+              <a:t>4/12/2022</a:t>
             </a:fld>
             <a:endParaRPr lang="en-US" dirty="0"/>
           </a:p>
@@ -8899,7 +8186,7 @@
           <a:p>
             <a:fld id="{39667345-2558-425A-8533-9BFDBCE15005}" type="datetime1">
               <a:rPr lang="en-US" smtClean="0"/>
-              <a:t>4/5/2022</a:t>
+              <a:t>4/12/2022</a:t>
             </a:fld>
             <a:endParaRPr lang="en-US" dirty="0"/>
           </a:p>
@@ -9189,7 +8476,7 @@
           <a:p>
             <a:fld id="{92BEA474-078D-4E9B-9B14-09A87B19DC46}" type="datetime1">
               <a:rPr lang="en-US" smtClean="0"/>
-              <a:t>4/5/2022</a:t>
+              <a:t>4/12/2022</a:t>
             </a:fld>
             <a:endParaRPr lang="en-US" dirty="0"/>
           </a:p>
@@ -9470,7 +8757,7 @@
           <a:p>
             <a:fld id="{4907D986-8816-4272-A432-0437A28A9828}" type="datetime1">
               <a:rPr lang="en-US" smtClean="0"/>
-              <a:t>4/5/2022</a:t>
+              <a:t>4/12/2022</a:t>
             </a:fld>
             <a:endParaRPr lang="en-US" dirty="0"/>
           </a:p>
@@ -9721,7 +9008,7 @@
           <a:p>
             <a:fld id="{62D6E202-B606-4609-B914-27C9371A1F6D}" type="datetime1">
               <a:rPr lang="en-US" smtClean="0"/>
-              <a:t>4/5/2022</a:t>
+              <a:t>4/12/2022</a:t>
             </a:fld>
             <a:endParaRPr lang="en-US" dirty="0"/>
           </a:p>
@@ -10549,6 +9836,882 @@
 </p:sld>
 </file>
 
+<file path=ppt/slides/slide10.xml><?xml version="1.0" encoding="utf-8"?>
+<p:sld xmlns:a="http://schemas.openxmlformats.org/drawingml/2006/main" xmlns:r="http://schemas.openxmlformats.org/officeDocument/2006/relationships" xmlns:p="http://schemas.openxmlformats.org/presentationml/2006/main">
+  <p:cSld>
+    <p:spTree>
+      <p:nvGrpSpPr>
+        <p:cNvPr id="1" name=""/>
+        <p:cNvGrpSpPr/>
+        <p:nvPr/>
+      </p:nvGrpSpPr>
+      <p:grpSpPr>
+        <a:xfrm>
+          <a:off x="0" y="0"/>
+          <a:ext cx="0" cy="0"/>
+          <a:chOff x="0" y="0"/>
+          <a:chExt cx="0" cy="0"/>
+        </a:xfrm>
+      </p:grpSpPr>
+      <p:sp>
+        <p:nvSpPr>
+          <p:cNvPr id="7" name="Title 6">
+            <a:extLst>
+              <a:ext uri="{FF2B5EF4-FFF2-40B4-BE49-F238E27FC236}">
+                <a16:creationId xmlns:a16="http://schemas.microsoft.com/office/drawing/2014/main" id="{6D65446E-58FE-417B-86CC-D04710D82EC5}"/>
+              </a:ext>
+            </a:extLst>
+          </p:cNvPr>
+          <p:cNvSpPr>
+            <a:spLocks noGrp="1"/>
+          </p:cNvSpPr>
+          <p:nvPr>
+            <p:ph type="title"/>
+          </p:nvPr>
+        </p:nvSpPr>
+        <p:spPr/>
+        <p:txBody>
+          <a:bodyPr/>
+          <a:lstStyle/>
+          <a:p>
+            <a:r>
+              <a:rPr lang="en-US" dirty="0"/>
+              <a:t>Modeling Process Flow</a:t>
+            </a:r>
+          </a:p>
+        </p:txBody>
+      </p:sp>
+      <p:pic>
+        <p:nvPicPr>
+          <p:cNvPr id="10" name="Content Placeholder 9" descr="Diagram&#10;&#10;Description automatically generated">
+            <a:extLst>
+              <a:ext uri="{FF2B5EF4-FFF2-40B4-BE49-F238E27FC236}">
+                <a16:creationId xmlns:a16="http://schemas.microsoft.com/office/drawing/2014/main" id="{2695817A-32D1-47E8-9F5A-D92A5D166E3D}"/>
+              </a:ext>
+            </a:extLst>
+          </p:cNvPr>
+          <p:cNvPicPr>
+            <a:picLocks noGrp="1" noChangeAspect="1"/>
+          </p:cNvPicPr>
+          <p:nvPr>
+            <p:ph idx="1"/>
+          </p:nvPr>
+        </p:nvPicPr>
+        <p:blipFill>
+          <a:blip r:embed="rId2"/>
+          <a:stretch>
+            <a:fillRect/>
+          </a:stretch>
+        </p:blipFill>
+        <p:spPr>
+          <a:xfrm>
+            <a:off x="5715000" y="1819129"/>
+            <a:ext cx="5678488" cy="3191167"/>
+          </a:xfrm>
+        </p:spPr>
+      </p:pic>
+      <p:sp>
+        <p:nvSpPr>
+          <p:cNvPr id="11" name="Text Placeholder 10">
+            <a:extLst>
+              <a:ext uri="{FF2B5EF4-FFF2-40B4-BE49-F238E27FC236}">
+                <a16:creationId xmlns:a16="http://schemas.microsoft.com/office/drawing/2014/main" id="{E5DDCDAF-285A-4C59-B409-4C8C835CC910}"/>
+              </a:ext>
+            </a:extLst>
+          </p:cNvPr>
+          <p:cNvSpPr>
+            <a:spLocks noGrp="1"/>
+          </p:cNvSpPr>
+          <p:nvPr>
+            <p:ph type="body" sz="half" idx="2"/>
+          </p:nvPr>
+        </p:nvSpPr>
+        <p:spPr/>
+        <p:txBody>
+          <a:bodyPr/>
+          <a:lstStyle/>
+          <a:p>
+            <a:pPr marL="285750" indent="-285750">
+              <a:buFont typeface="Arial" panose="020B0604020202020204" pitchFamily="34" charset="0"/>
+              <a:buChar char="•"/>
+            </a:pPr>
+            <a:r>
+              <a:rPr lang="en-US" dirty="0"/>
+              <a:t>As mentioned in data collection the data needs cleaning.</a:t>
+            </a:r>
+          </a:p>
+          <a:p>
+            <a:pPr marL="285750" indent="-285750">
+              <a:buFont typeface="Arial" panose="020B0604020202020204" pitchFamily="34" charset="0"/>
+              <a:buChar char="•"/>
+            </a:pPr>
+            <a:r>
+              <a:rPr lang="en-US" dirty="0"/>
+              <a:t>Fix structural Issues </a:t>
+            </a:r>
+          </a:p>
+          <a:p>
+            <a:pPr marL="285750" indent="-285750">
+              <a:buFont typeface="Arial" panose="020B0604020202020204" pitchFamily="34" charset="0"/>
+              <a:buChar char="•"/>
+            </a:pPr>
+            <a:r>
+              <a:rPr lang="en-US" dirty="0"/>
+              <a:t>25 Features make data cross validation a long and tenuous process</a:t>
+            </a:r>
+          </a:p>
+        </p:txBody>
+      </p:sp>
+    </p:spTree>
+    <p:extLst>
+      <p:ext uri="{BB962C8B-B14F-4D97-AF65-F5344CB8AC3E}">
+        <p14:creationId xmlns:p14="http://schemas.microsoft.com/office/powerpoint/2010/main" val="1700538206"/>
+      </p:ext>
+    </p:extLst>
+  </p:cSld>
+  <p:clrMapOvr>
+    <a:masterClrMapping/>
+  </p:clrMapOvr>
+</p:sld>
+</file>
+
+<file path=ppt/slides/slide11.xml><?xml version="1.0" encoding="utf-8"?>
+<p:sld xmlns:a="http://schemas.openxmlformats.org/drawingml/2006/main" xmlns:r="http://schemas.openxmlformats.org/officeDocument/2006/relationships" xmlns:p="http://schemas.openxmlformats.org/presentationml/2006/main">
+  <p:cSld>
+    <p:bg>
+      <p:bgPr>
+        <a:solidFill>
+          <a:schemeClr val="bg1"/>
+        </a:solidFill>
+        <a:effectLst/>
+      </p:bgPr>
+    </p:bg>
+    <p:spTree>
+      <p:nvGrpSpPr>
+        <p:cNvPr id="1" name=""/>
+        <p:cNvGrpSpPr/>
+        <p:nvPr/>
+      </p:nvGrpSpPr>
+      <p:grpSpPr>
+        <a:xfrm>
+          <a:off x="0" y="0"/>
+          <a:ext cx="0" cy="0"/>
+          <a:chOff x="0" y="0"/>
+          <a:chExt cx="0" cy="0"/>
+        </a:xfrm>
+      </p:grpSpPr>
+      <p:cxnSp>
+        <p:nvCxnSpPr>
+          <p:cNvPr id="10" name="Straight Connector 9">
+            <a:extLst>
+              <a:ext uri="{FF2B5EF4-FFF2-40B4-BE49-F238E27FC236}">
+                <a16:creationId xmlns:a16="http://schemas.microsoft.com/office/drawing/2014/main" id="{2CF1BDDC-4E57-4064-B712-2EF9C9261EB9}"/>
+              </a:ext>
+              <a:ext uri="{C183D7F6-B498-43B3-948B-1728B52AA6E4}">
+                <adec:decorative xmlns:adec="http://schemas.microsoft.com/office/drawing/2017/decorative" val="1"/>
+              </a:ext>
+            </a:extLst>
+          </p:cNvPr>
+          <p:cNvCxnSpPr>
+            <a:cxnSpLocks noGrp="1" noRot="1" noChangeAspect="1" noMove="1" noResize="1" noEditPoints="1" noAdjustHandles="1" noChangeArrowheads="1" noChangeShapeType="1"/>
+          </p:cNvCxnSpPr>
+          <p:nvPr>
+            <p:extLst>
+              <p:ext uri="{386F3935-93C4-4BCD-93E2-E3B085C9AB24}">
+                <p16:designElem xmlns:p16="http://schemas.microsoft.com/office/powerpoint/2015/main" val="1"/>
+              </p:ext>
+            </p:extLst>
+          </p:nvPr>
+        </p:nvCxnSpPr>
+        <p:spPr>
+          <a:xfrm flipV="1">
+            <a:off x="8386842" y="5264106"/>
+            <a:ext cx="0" cy="914400"/>
+          </a:xfrm>
+          <a:prstGeom prst="line">
+            <a:avLst/>
+          </a:prstGeom>
+          <a:ln w="19050">
+            <a:solidFill>
+              <a:schemeClr val="accent2"/>
+            </a:solidFill>
+          </a:ln>
+        </p:spPr>
+        <p:style>
+          <a:lnRef idx="1">
+            <a:schemeClr val="accent1"/>
+          </a:lnRef>
+          <a:fillRef idx="0">
+            <a:schemeClr val="accent1"/>
+          </a:fillRef>
+          <a:effectRef idx="0">
+            <a:schemeClr val="accent1"/>
+          </a:effectRef>
+          <a:fontRef idx="minor">
+            <a:schemeClr val="tx1"/>
+          </a:fontRef>
+        </p:style>
+      </p:cxnSp>
+      <p:sp>
+        <p:nvSpPr>
+          <p:cNvPr id="12" name="Rectangle 11">
+            <a:extLst>
+              <a:ext uri="{FF2B5EF4-FFF2-40B4-BE49-F238E27FC236}">
+                <a16:creationId xmlns:a16="http://schemas.microsoft.com/office/drawing/2014/main" id="{B6D47E0C-18AB-487F-9BA0-FC2FBB41B5AD}"/>
+              </a:ext>
+              <a:ext uri="{C183D7F6-B498-43B3-948B-1728B52AA6E4}">
+                <adec:decorative xmlns:adec="http://schemas.microsoft.com/office/drawing/2017/decorative" val="1"/>
+              </a:ext>
+            </a:extLst>
+          </p:cNvPr>
+          <p:cNvSpPr>
+            <a:spLocks noGrp="1" noRot="1" noChangeAspect="1" noMove="1" noResize="1" noEditPoints="1" noAdjustHandles="1" noChangeArrowheads="1" noChangeShapeType="1" noTextEdit="1"/>
+          </p:cNvSpPr>
+          <p:nvPr>
+            <p:extLst>
+              <p:ext uri="{386F3935-93C4-4BCD-93E2-E3B085C9AB24}">
+                <p16:designElem xmlns:p16="http://schemas.microsoft.com/office/powerpoint/2015/main" val="1"/>
+              </p:ext>
+            </p:extLst>
+          </p:nvPr>
+        </p:nvSpPr>
+        <p:spPr>
+          <a:xfrm>
+            <a:off x="0" y="-1"/>
+            <a:ext cx="12192000" cy="4572001"/>
+          </a:xfrm>
+          <a:prstGeom prst="rect">
+            <a:avLst/>
+          </a:prstGeom>
+          <a:solidFill>
+            <a:schemeClr val="accent2"/>
+          </a:solidFill>
+          <a:ln>
+            <a:noFill/>
+          </a:ln>
+        </p:spPr>
+        <p:style>
+          <a:lnRef idx="2">
+            <a:schemeClr val="accent1">
+              <a:shade val="50000"/>
+            </a:schemeClr>
+          </a:lnRef>
+          <a:fillRef idx="1">
+            <a:schemeClr val="accent1"/>
+          </a:fillRef>
+          <a:effectRef idx="0">
+            <a:schemeClr val="accent1"/>
+          </a:effectRef>
+          <a:fontRef idx="minor">
+            <a:schemeClr val="lt1"/>
+          </a:fontRef>
+        </p:style>
+      </p:sp>
+      <p:sp>
+        <p:nvSpPr>
+          <p:cNvPr id="14" name="Rectangle 13">
+            <a:extLst>
+              <a:ext uri="{FF2B5EF4-FFF2-40B4-BE49-F238E27FC236}">
+                <a16:creationId xmlns:a16="http://schemas.microsoft.com/office/drawing/2014/main" id="{2FDF0794-1B86-42B2-B8C7-F60123E638ED}"/>
+              </a:ext>
+              <a:ext uri="{C183D7F6-B498-43B3-948B-1728B52AA6E4}">
+                <adec:decorative xmlns:adec="http://schemas.microsoft.com/office/drawing/2017/decorative" val="1"/>
+              </a:ext>
+            </a:extLst>
+          </p:cNvPr>
+          <p:cNvSpPr>
+            <a:spLocks noGrp="1" noRot="1" noChangeAspect="1" noMove="1" noResize="1" noEditPoints="1" noAdjustHandles="1" noChangeArrowheads="1" noChangeShapeType="1" noTextEdit="1"/>
+          </p:cNvSpPr>
+          <p:nvPr>
+            <p:extLst>
+              <p:ext uri="{386F3935-93C4-4BCD-93E2-E3B085C9AB24}">
+                <p16:designElem xmlns:p16="http://schemas.microsoft.com/office/powerpoint/2015/main" val="1"/>
+              </p:ext>
+            </p:extLst>
+          </p:nvPr>
+        </p:nvSpPr>
+        <p:spPr>
+          <a:xfrm>
+            <a:off x="3274" y="0"/>
+            <a:ext cx="12188726" cy="6858975"/>
+          </a:xfrm>
+          <a:prstGeom prst="rect">
+            <a:avLst/>
+          </a:prstGeom>
+          <a:solidFill>
+            <a:schemeClr val="bg1"/>
+          </a:solidFill>
+          <a:ln>
+            <a:noFill/>
+          </a:ln>
+        </p:spPr>
+        <p:style>
+          <a:lnRef idx="2">
+            <a:schemeClr val="accent1">
+              <a:shade val="50000"/>
+            </a:schemeClr>
+          </a:lnRef>
+          <a:fillRef idx="1">
+            <a:schemeClr val="accent1"/>
+          </a:fillRef>
+          <a:effectRef idx="0">
+            <a:schemeClr val="accent1"/>
+          </a:effectRef>
+          <a:fontRef idx="minor">
+            <a:schemeClr val="lt1"/>
+          </a:fontRef>
+        </p:style>
+        <p:txBody>
+          <a:bodyPr rtlCol="0" anchor="ctr"/>
+          <a:lstStyle/>
+          <a:p>
+            <a:pPr algn="ctr"/>
+            <a:endParaRPr lang="en-US"/>
+          </a:p>
+        </p:txBody>
+      </p:sp>
+      <p:pic>
+        <p:nvPicPr>
+          <p:cNvPr id="7" name="Picture 5" descr="Graph">
+            <a:extLst>
+              <a:ext uri="{FF2B5EF4-FFF2-40B4-BE49-F238E27FC236}">
+                <a16:creationId xmlns:a16="http://schemas.microsoft.com/office/drawing/2014/main" id="{EFE3E9E0-CDA4-3301-5E37-B76DC3AB44F0}"/>
+              </a:ext>
+            </a:extLst>
+          </p:cNvPr>
+          <p:cNvPicPr>
+            <a:picLocks noChangeAspect="1"/>
+          </p:cNvPicPr>
+          <p:nvPr/>
+        </p:nvPicPr>
+        <p:blipFill rotWithShape="1">
+          <a:blip r:embed="rId2"/>
+          <a:srcRect t="3981" b="6019"/>
+          <a:stretch/>
+        </p:blipFill>
+        <p:spPr>
+          <a:xfrm>
+            <a:off x="20" y="975"/>
+            <a:ext cx="12191980" cy="6858000"/>
+          </a:xfrm>
+          <a:prstGeom prst="rect">
+            <a:avLst/>
+          </a:prstGeom>
+        </p:spPr>
+      </p:pic>
+      <p:sp>
+        <p:nvSpPr>
+          <p:cNvPr id="16" name="Rectangle 15">
+            <a:extLst>
+              <a:ext uri="{FF2B5EF4-FFF2-40B4-BE49-F238E27FC236}">
+                <a16:creationId xmlns:a16="http://schemas.microsoft.com/office/drawing/2014/main" id="{EAA48FC5-3C83-4F1B-BC33-DF0B588F8317}"/>
+              </a:ext>
+              <a:ext uri="{C183D7F6-B498-43B3-948B-1728B52AA6E4}">
+                <adec:decorative xmlns:adec="http://schemas.microsoft.com/office/drawing/2017/decorative" val="1"/>
+              </a:ext>
+            </a:extLst>
+          </p:cNvPr>
+          <p:cNvSpPr>
+            <a:spLocks noGrp="1" noRot="1" noChangeAspect="1" noMove="1" noResize="1" noEditPoints="1" noAdjustHandles="1" noChangeArrowheads="1" noChangeShapeType="1" noTextEdit="1"/>
+          </p:cNvSpPr>
+          <p:nvPr>
+            <p:extLst>
+              <p:ext uri="{386F3935-93C4-4BCD-93E2-E3B085C9AB24}">
+                <p16:designElem xmlns:p16="http://schemas.microsoft.com/office/powerpoint/2015/main" val="1"/>
+              </p:ext>
+            </p:extLst>
+          </p:nvPr>
+        </p:nvSpPr>
+        <p:spPr>
+          <a:xfrm>
+            <a:off x="3896786" y="3064931"/>
+            <a:ext cx="8295215" cy="2488568"/>
+          </a:xfrm>
+          <a:prstGeom prst="rect">
+            <a:avLst/>
+          </a:prstGeom>
+          <a:solidFill>
+            <a:srgbClr val="000001">
+              <a:alpha val="75000"/>
+            </a:srgbClr>
+          </a:solidFill>
+          <a:ln>
+            <a:noFill/>
+          </a:ln>
+        </p:spPr>
+        <p:style>
+          <a:lnRef idx="1">
+            <a:schemeClr val="accent1"/>
+          </a:lnRef>
+          <a:fillRef idx="3">
+            <a:schemeClr val="accent1"/>
+          </a:fillRef>
+          <a:effectRef idx="2">
+            <a:schemeClr val="accent1"/>
+          </a:effectRef>
+          <a:fontRef idx="minor">
+            <a:schemeClr val="lt1"/>
+          </a:fontRef>
+        </p:style>
+        <p:txBody>
+          <a:bodyPr rtlCol="0" anchor="ctr"/>
+          <a:lstStyle/>
+          <a:p>
+            <a:pPr algn="ctr"/>
+            <a:endParaRPr lang="en-US"/>
+          </a:p>
+        </p:txBody>
+      </p:sp>
+      <p:sp>
+        <p:nvSpPr>
+          <p:cNvPr id="2" name="Title 1">
+            <a:extLst>
+              <a:ext uri="{FF2B5EF4-FFF2-40B4-BE49-F238E27FC236}">
+                <a16:creationId xmlns:a16="http://schemas.microsoft.com/office/drawing/2014/main" id="{A75E5EB5-A2FB-479F-B239-619EAC82D5C7}"/>
+              </a:ext>
+            </a:extLst>
+          </p:cNvPr>
+          <p:cNvSpPr>
+            <a:spLocks noGrp="1"/>
+          </p:cNvSpPr>
+          <p:nvPr>
+            <p:ph type="title"/>
+          </p:nvPr>
+        </p:nvSpPr>
+        <p:spPr>
+          <a:xfrm>
+            <a:off x="4309349" y="3429000"/>
+            <a:ext cx="7501651" cy="1090938"/>
+          </a:xfrm>
+        </p:spPr>
+        <p:txBody>
+          <a:bodyPr vert="horz" lIns="91440" tIns="45720" rIns="91440" bIns="45720" rtlCol="0" anchor="b">
+            <a:normAutofit/>
+          </a:bodyPr>
+          <a:lstStyle/>
+          <a:p>
+            <a:r>
+              <a:rPr lang="en-US" spc="200">
+                <a:solidFill>
+                  <a:srgbClr val="FFFFFF"/>
+                </a:solidFill>
+              </a:rPr>
+              <a:t>Initial Insights</a:t>
+            </a:r>
+          </a:p>
+        </p:txBody>
+      </p:sp>
+      <p:cxnSp>
+        <p:nvCxnSpPr>
+          <p:cNvPr id="18" name="Straight Connector 17">
+            <a:extLst>
+              <a:ext uri="{FF2B5EF4-FFF2-40B4-BE49-F238E27FC236}">
+                <a16:creationId xmlns:a16="http://schemas.microsoft.com/office/drawing/2014/main" id="{62F01714-1A39-4194-BD47-8A9960C59985}"/>
+              </a:ext>
+              <a:ext uri="{C183D7F6-B498-43B3-948B-1728B52AA6E4}">
+                <adec:decorative xmlns:adec="http://schemas.microsoft.com/office/drawing/2017/decorative" val="1"/>
+              </a:ext>
+            </a:extLst>
+          </p:cNvPr>
+          <p:cNvCxnSpPr>
+            <a:cxnSpLocks noGrp="1" noRot="1" noChangeAspect="1" noMove="1" noResize="1" noEditPoints="1" noAdjustHandles="1" noChangeArrowheads="1" noChangeShapeType="1"/>
+          </p:cNvCxnSpPr>
+          <p:nvPr>
+            <p:extLst>
+              <p:ext uri="{386F3935-93C4-4BCD-93E2-E3B085C9AB24}">
+                <p16:designElem xmlns:p16="http://schemas.microsoft.com/office/powerpoint/2015/main" val="1"/>
+              </p:ext>
+            </p:extLst>
+          </p:nvPr>
+        </p:nvCxnSpPr>
+        <p:spPr>
+          <a:xfrm>
+            <a:off x="4309349" y="4666480"/>
+            <a:ext cx="6832499" cy="0"/>
+          </a:xfrm>
+          <a:prstGeom prst="line">
+            <a:avLst/>
+          </a:prstGeom>
+          <a:ln w="22225">
+            <a:solidFill>
+              <a:srgbClr val="ED9B17"/>
+            </a:solidFill>
+          </a:ln>
+        </p:spPr>
+        <p:style>
+          <a:lnRef idx="3">
+            <a:schemeClr val="accent1"/>
+          </a:lnRef>
+          <a:fillRef idx="0">
+            <a:schemeClr val="accent1"/>
+          </a:fillRef>
+          <a:effectRef idx="2">
+            <a:schemeClr val="accent1"/>
+          </a:effectRef>
+          <a:fontRef idx="minor">
+            <a:schemeClr val="tx1"/>
+          </a:fontRef>
+        </p:style>
+      </p:cxnSp>
+    </p:spTree>
+    <p:extLst>
+      <p:ext uri="{BB962C8B-B14F-4D97-AF65-F5344CB8AC3E}">
+        <p14:creationId xmlns:p14="http://schemas.microsoft.com/office/powerpoint/2010/main" val="3114783360"/>
+      </p:ext>
+    </p:extLst>
+  </p:cSld>
+  <p:clrMapOvr>
+    <a:masterClrMapping/>
+  </p:clrMapOvr>
+  <p:timing>
+    <p:tnLst>
+      <p:par>
+        <p:cTn id="1" dur="indefinite" restart="never" nodeType="tmRoot">
+          <p:childTnLst>
+            <p:seq concurrent="1" nextAc="seek">
+              <p:cTn id="2" dur="indefinite" nodeType="mainSeq">
+                <p:childTnLst>
+                  <p:par>
+                    <p:cTn id="3" fill="hold">
+                      <p:stCondLst>
+                        <p:cond delay="indefinite"/>
+                        <p:cond evt="onBegin" delay="0">
+                          <p:tn val="2"/>
+                        </p:cond>
+                      </p:stCondLst>
+                      <p:childTnLst>
+                        <p:par>
+                          <p:cTn id="4" fill="hold">
+                            <p:stCondLst>
+                              <p:cond delay="0"/>
+                            </p:stCondLst>
+                            <p:childTnLst>
+                              <p:par>
+                                <p:cTn id="5" presetID="10" presetClass="entr" presetSubtype="0" fill="hold" grpId="0" nodeType="withEffect">
+                                  <p:stCondLst>
+                                    <p:cond delay="1000"/>
+                                  </p:stCondLst>
+                                  <p:iterate type="lt">
+                                    <p:tmPct val="10000"/>
+                                  </p:iterate>
+                                  <p:childTnLst>
+                                    <p:set>
+                                      <p:cBhvr>
+                                        <p:cTn id="6" dur="1" fill="hold">
+                                          <p:stCondLst>
+                                            <p:cond delay="0"/>
+                                          </p:stCondLst>
+                                        </p:cTn>
+                                        <p:tgtEl>
+                                          <p:spTgt spid="2"/>
+                                        </p:tgtEl>
+                                        <p:attrNameLst>
+                                          <p:attrName>style.visibility</p:attrName>
+                                        </p:attrNameLst>
+                                      </p:cBhvr>
+                                      <p:to>
+                                        <p:strVal val="visible"/>
+                                      </p:to>
+                                    </p:set>
+                                    <p:animEffect transition="in" filter="fade">
+                                      <p:cBhvr>
+                                        <p:cTn id="7" dur="400"/>
+                                        <p:tgtEl>
+                                          <p:spTgt spid="2"/>
+                                        </p:tgtEl>
+                                      </p:cBhvr>
+                                    </p:animEffect>
+                                  </p:childTnLst>
+                                </p:cTn>
+                              </p:par>
+                            </p:childTnLst>
+                          </p:cTn>
+                        </p:par>
+                      </p:childTnLst>
+                    </p:cTn>
+                  </p:par>
+                </p:childTnLst>
+              </p:cTn>
+              <p:prevCondLst>
+                <p:cond evt="onPrev" delay="0">
+                  <p:tgtEl>
+                    <p:sldTgt/>
+                  </p:tgtEl>
+                </p:cond>
+              </p:prevCondLst>
+              <p:nextCondLst>
+                <p:cond evt="onNext" delay="0">
+                  <p:tgtEl>
+                    <p:sldTgt/>
+                  </p:tgtEl>
+                </p:cond>
+              </p:nextCondLst>
+            </p:seq>
+          </p:childTnLst>
+        </p:cTn>
+      </p:par>
+    </p:tnLst>
+    <p:bldLst>
+      <p:bldP spid="2" grpId="0"/>
+    </p:bldLst>
+  </p:timing>
+</p:sld>
+</file>
+
+<file path=ppt/slides/slide12.xml><?xml version="1.0" encoding="utf-8"?>
+<p:sld xmlns:a="http://schemas.openxmlformats.org/drawingml/2006/main" xmlns:r="http://schemas.openxmlformats.org/officeDocument/2006/relationships" xmlns:p="http://schemas.openxmlformats.org/presentationml/2006/main">
+  <p:cSld>
+    <p:bg>
+      <p:bgPr>
+        <a:solidFill>
+          <a:schemeClr val="bg1"/>
+        </a:solidFill>
+        <a:effectLst/>
+      </p:bgPr>
+    </p:bg>
+    <p:spTree>
+      <p:nvGrpSpPr>
+        <p:cNvPr id="1" name=""/>
+        <p:cNvGrpSpPr/>
+        <p:nvPr/>
+      </p:nvGrpSpPr>
+      <p:grpSpPr>
+        <a:xfrm>
+          <a:off x="0" y="0"/>
+          <a:ext cx="0" cy="0"/>
+          <a:chOff x="0" y="0"/>
+          <a:chExt cx="0" cy="0"/>
+        </a:xfrm>
+      </p:grpSpPr>
+      <p:cxnSp>
+        <p:nvCxnSpPr>
+          <p:cNvPr id="17" name="Straight Connector 10">
+            <a:extLst>
+              <a:ext uri="{FF2B5EF4-FFF2-40B4-BE49-F238E27FC236}">
+                <a16:creationId xmlns:a16="http://schemas.microsoft.com/office/drawing/2014/main" id="{82F46358-0DB7-443D-99CD-E17948D195B9}"/>
+              </a:ext>
+              <a:ext uri="{C183D7F6-B498-43B3-948B-1728B52AA6E4}">
+                <adec:decorative xmlns:adec="http://schemas.microsoft.com/office/drawing/2017/decorative" val="1"/>
+              </a:ext>
+            </a:extLst>
+          </p:cNvPr>
+          <p:cNvCxnSpPr>
+            <a:cxnSpLocks noGrp="1" noRot="1" noChangeAspect="1" noMove="1" noResize="1" noEditPoints="1" noAdjustHandles="1" noChangeArrowheads="1" noChangeShapeType="1"/>
+          </p:cNvCxnSpPr>
+          <p:nvPr>
+            <p:extLst>
+              <p:ext uri="{386F3935-93C4-4BCD-93E2-E3B085C9AB24}">
+                <p16:designElem xmlns:p16="http://schemas.microsoft.com/office/powerpoint/2015/main" val="1"/>
+              </p:ext>
+            </p:extLst>
+          </p:nvPr>
+        </p:nvCxnSpPr>
+        <p:spPr>
+          <a:xfrm flipV="1">
+            <a:off x="762000" y="826324"/>
+            <a:ext cx="0" cy="914400"/>
+          </a:xfrm>
+          <a:prstGeom prst="line">
+            <a:avLst/>
+          </a:prstGeom>
+          <a:ln w="19050">
+            <a:solidFill>
+              <a:schemeClr val="accent2"/>
+            </a:solidFill>
+          </a:ln>
+        </p:spPr>
+        <p:style>
+          <a:lnRef idx="1">
+            <a:schemeClr val="accent1"/>
+          </a:lnRef>
+          <a:fillRef idx="0">
+            <a:schemeClr val="accent1"/>
+          </a:fillRef>
+          <a:effectRef idx="0">
+            <a:schemeClr val="accent1"/>
+          </a:effectRef>
+          <a:fontRef idx="minor">
+            <a:schemeClr val="tx1"/>
+          </a:fontRef>
+        </p:style>
+      </p:cxnSp>
+      <p:sp>
+        <p:nvSpPr>
+          <p:cNvPr id="5" name="Title 4">
+            <a:extLst>
+              <a:ext uri="{FF2B5EF4-FFF2-40B4-BE49-F238E27FC236}">
+                <a16:creationId xmlns:a16="http://schemas.microsoft.com/office/drawing/2014/main" id="{E246742C-8F8B-4F41-989F-875F87205A4A}"/>
+              </a:ext>
+            </a:extLst>
+          </p:cNvPr>
+          <p:cNvSpPr>
+            <a:spLocks noGrp="1"/>
+          </p:cNvSpPr>
+          <p:nvPr>
+            <p:ph type="title"/>
+          </p:nvPr>
+        </p:nvSpPr>
+        <p:spPr>
+          <a:xfrm>
+            <a:off x="902589" y="990916"/>
+            <a:ext cx="9720072" cy="1499616"/>
+          </a:xfrm>
+        </p:spPr>
+        <p:txBody>
+          <a:bodyPr vert="horz" lIns="91440" tIns="45720" rIns="91440" bIns="45720" rtlCol="0" anchor="ctr">
+            <a:normAutofit/>
+          </a:bodyPr>
+          <a:lstStyle/>
+          <a:p>
+            <a:r>
+              <a:rPr lang="en-US" sz="5000" dirty="0"/>
+              <a:t>Data Correlation</a:t>
+            </a:r>
+          </a:p>
+        </p:txBody>
+      </p:sp>
+      <p:cxnSp>
+        <p:nvCxnSpPr>
+          <p:cNvPr id="18" name="Straight Connector 12">
+            <a:extLst>
+              <a:ext uri="{FF2B5EF4-FFF2-40B4-BE49-F238E27FC236}">
+                <a16:creationId xmlns:a16="http://schemas.microsoft.com/office/drawing/2014/main" id="{295FDC3C-DB2C-4337-93E9-C077DA1BE45E}"/>
+              </a:ext>
+              <a:ext uri="{C183D7F6-B498-43B3-948B-1728B52AA6E4}">
+                <adec:decorative xmlns:adec="http://schemas.microsoft.com/office/drawing/2017/decorative" val="1"/>
+              </a:ext>
+            </a:extLst>
+          </p:cNvPr>
+          <p:cNvCxnSpPr>
+            <a:cxnSpLocks noGrp="1" noRot="1" noChangeAspect="1" noMove="1" noResize="1" noEditPoints="1" noAdjustHandles="1" noChangeArrowheads="1" noChangeShapeType="1"/>
+          </p:cNvCxnSpPr>
+          <p:nvPr>
+            <p:extLst>
+              <p:ext uri="{386F3935-93C4-4BCD-93E2-E3B085C9AB24}">
+                <p16:designElem xmlns:p16="http://schemas.microsoft.com/office/powerpoint/2015/main" val="1"/>
+              </p:ext>
+            </p:extLst>
+          </p:nvPr>
+        </p:nvCxnSpPr>
+        <p:spPr>
+          <a:xfrm flipV="1">
+            <a:off x="762000" y="826324"/>
+            <a:ext cx="0" cy="914400"/>
+          </a:xfrm>
+          <a:prstGeom prst="line">
+            <a:avLst/>
+          </a:prstGeom>
+          <a:ln w="19050">
+            <a:solidFill>
+              <a:srgbClr val="F46440"/>
+            </a:solidFill>
+          </a:ln>
+        </p:spPr>
+        <p:style>
+          <a:lnRef idx="1">
+            <a:schemeClr val="accent1"/>
+          </a:lnRef>
+          <a:fillRef idx="0">
+            <a:schemeClr val="accent1"/>
+          </a:fillRef>
+          <a:effectRef idx="0">
+            <a:schemeClr val="accent1"/>
+          </a:effectRef>
+          <a:fontRef idx="minor">
+            <a:schemeClr val="tx1"/>
+          </a:fontRef>
+        </p:style>
+      </p:cxnSp>
+      <p:pic>
+        <p:nvPicPr>
+          <p:cNvPr id="4" name="Content Placeholder 3">
+            <a:extLst>
+              <a:ext uri="{FF2B5EF4-FFF2-40B4-BE49-F238E27FC236}">
+                <a16:creationId xmlns:a16="http://schemas.microsoft.com/office/drawing/2014/main" id="{C97386D2-2670-4C1E-A7BA-CD2264384BD8}"/>
+              </a:ext>
+            </a:extLst>
+          </p:cNvPr>
+          <p:cNvPicPr>
+            <a:picLocks noGrp="1" noChangeAspect="1"/>
+          </p:cNvPicPr>
+          <p:nvPr>
+            <p:ph idx="1"/>
+          </p:nvPr>
+        </p:nvPicPr>
+        <p:blipFill rotWithShape="1">
+          <a:blip r:embed="rId2"/>
+          <a:srcRect r="4113" b="-1"/>
+          <a:stretch/>
+        </p:blipFill>
+        <p:spPr>
+          <a:xfrm>
+            <a:off x="5762625" y="87053"/>
+            <a:ext cx="6104466" cy="6683893"/>
+          </a:xfrm>
+          <a:prstGeom prst="rect">
+            <a:avLst/>
+          </a:prstGeom>
+          <a:solidFill>
+            <a:schemeClr val="accent1">
+              <a:lumMod val="60000"/>
+              <a:lumOff val="40000"/>
+            </a:schemeClr>
+          </a:solidFill>
+        </p:spPr>
+      </p:pic>
+      <p:sp>
+        <p:nvSpPr>
+          <p:cNvPr id="6" name="Text Placeholder 5">
+            <a:extLst>
+              <a:ext uri="{FF2B5EF4-FFF2-40B4-BE49-F238E27FC236}">
+                <a16:creationId xmlns:a16="http://schemas.microsoft.com/office/drawing/2014/main" id="{BBDDE7B6-A35A-494D-93B1-A381B5F83CCB}"/>
+              </a:ext>
+            </a:extLst>
+          </p:cNvPr>
+          <p:cNvSpPr>
+            <a:spLocks noGrp="1"/>
+          </p:cNvSpPr>
+          <p:nvPr>
+            <p:ph type="body" sz="half" idx="2"/>
+          </p:nvPr>
+        </p:nvSpPr>
+        <p:spPr>
+          <a:xfrm>
+            <a:off x="324909" y="2715464"/>
+            <a:ext cx="4790016" cy="504825"/>
+          </a:xfrm>
+        </p:spPr>
+        <p:txBody>
+          <a:bodyPr vert="horz" lIns="45720" tIns="45720" rIns="45720" bIns="45720" rtlCol="0">
+            <a:normAutofit lnSpcReduction="10000"/>
+          </a:bodyPr>
+          <a:lstStyle/>
+          <a:p>
+            <a:pPr>
+              <a:lnSpc>
+                <a:spcPct val="90000"/>
+              </a:lnSpc>
+            </a:pPr>
+            <a:r>
+              <a:rPr lang="en-US" dirty="0"/>
+              <a:t>There is no strong correlation between any of the data features</a:t>
+            </a:r>
+          </a:p>
+        </p:txBody>
+      </p:sp>
+    </p:spTree>
+    <p:extLst>
+      <p:ext uri="{BB962C8B-B14F-4D97-AF65-F5344CB8AC3E}">
+        <p14:creationId xmlns:p14="http://schemas.microsoft.com/office/powerpoint/2010/main" val="1754887756"/>
+      </p:ext>
+    </p:extLst>
+  </p:cSld>
+  <p:clrMapOvr>
+    <a:masterClrMapping/>
+  </p:clrMapOvr>
+</p:sld>
+</file>
+
 <file path=ppt/slides/slide2.xml><?xml version="1.0" encoding="utf-8"?>
 <p:sld xmlns:a="http://schemas.openxmlformats.org/drawingml/2006/main" xmlns:r="http://schemas.openxmlformats.org/officeDocument/2006/relationships" xmlns:p="http://schemas.openxmlformats.org/presentationml/2006/main">
   <p:cSld>
@@ -11453,7 +11616,27 @@
             </a:pPr>
             <a:r>
               <a:rPr lang="en-US" dirty="0"/>
-              <a:t>Current data requires slight modifications in the headers in order to be analyzed.</a:t>
+              <a:t>204 duplicate data points</a:t>
+            </a:r>
+          </a:p>
+          <a:p>
+            <a:pPr marL="457200" indent="-457200">
+              <a:buFont typeface="+mj-lt"/>
+              <a:buAutoNum type="arabicPeriod"/>
+            </a:pPr>
+            <a:r>
+              <a:rPr lang="en-US" dirty="0"/>
+              <a:t>Two sets of headers</a:t>
+            </a:r>
+          </a:p>
+          <a:p>
+            <a:pPr marL="457200" indent="-457200">
+              <a:buFont typeface="+mj-lt"/>
+              <a:buAutoNum type="arabicPeriod"/>
+            </a:pPr>
+            <a:r>
+              <a:rPr lang="en-US" dirty="0"/>
+              <a:t>Multiple categorical features </a:t>
             </a:r>
           </a:p>
           <a:p>
@@ -12387,21 +12570,21 @@
 </file>
 
 <file path=customXml/item1.xml><?xml version="1.0" encoding="utf-8"?>
+<?mso-contentType ?>
+<FormTemplates xmlns="http://schemas.microsoft.com/sharepoint/v3/contenttype/forms">
+  <Display>DocumentLibraryForm</Display>
+  <Edit>DocumentLibraryForm</Edit>
+  <New>DocumentLibraryForm</New>
+</FormTemplates>
+</file>
+
+<file path=customXml/item2.xml><?xml version="1.0" encoding="utf-8"?>
 <p:properties xmlns:p="http://schemas.microsoft.com/office/2006/metadata/properties" xmlns:xsi="http://www.w3.org/2001/XMLSchema-instance" xmlns:pc="http://schemas.microsoft.com/office/infopath/2007/PartnerControls">
   <documentManagement>
     <Status xmlns="71af3243-3dd4-4a8d-8c0d-dd76da1f02a5">Not started</Status>
     <MediaServiceKeyPoints xmlns="71af3243-3dd4-4a8d-8c0d-dd76da1f02a5" xsi:nil="true"/>
   </documentManagement>
 </p:properties>
-</file>
-
-<file path=customXml/item2.xml><?xml version="1.0" encoding="utf-8"?>
-<?mso-contentType ?>
-<FormTemplates xmlns="http://schemas.microsoft.com/sharepoint/v3/contenttype/forms">
-  <Display>DocumentLibraryForm</Display>
-  <Edit>DocumentLibraryForm</Edit>
-  <New>DocumentLibraryForm</New>
-</FormTemplates>
 </file>
 
 <file path=customXml/item3.xml><?xml version="1.0" encoding="utf-8"?>
@@ -12626,19 +12809,19 @@
 </file>
 
 <file path=customXml/itemProps1.xml><?xml version="1.0" encoding="utf-8"?>
+<ds:datastoreItem xmlns:ds="http://schemas.openxmlformats.org/officeDocument/2006/customXml" ds:itemID="{AA3F7EDC-E5B4-4BBC-9D2A-CBE6D46C37AD}">
+  <ds:schemaRefs>
+    <ds:schemaRef ds:uri="http://schemas.microsoft.com/sharepoint/v3/contenttype/forms"/>
+  </ds:schemaRefs>
+</ds:datastoreItem>
+</file>
+
+<file path=customXml/itemProps2.xml><?xml version="1.0" encoding="utf-8"?>
 <ds:datastoreItem xmlns:ds="http://schemas.openxmlformats.org/officeDocument/2006/customXml" ds:itemID="{A03EEFF0-FB57-4CB4-8BFC-DF397689E2ED}">
   <ds:schemaRefs>
     <ds:schemaRef ds:uri="http://schemas.microsoft.com/office/2006/metadata/properties"/>
     <ds:schemaRef ds:uri="http://schemas.microsoft.com/office/infopath/2007/PartnerControls"/>
     <ds:schemaRef ds:uri="71af3243-3dd4-4a8d-8c0d-dd76da1f02a5"/>
-  </ds:schemaRefs>
-</ds:datastoreItem>
-</file>
-
-<file path=customXml/itemProps2.xml><?xml version="1.0" encoding="utf-8"?>
-<ds:datastoreItem xmlns:ds="http://schemas.openxmlformats.org/officeDocument/2006/customXml" ds:itemID="{AA3F7EDC-E5B4-4BBC-9D2A-CBE6D46C37AD}">
-  <ds:schemaRefs>
-    <ds:schemaRef ds:uri="http://schemas.microsoft.com/sharepoint/v3/contenttype/forms"/>
   </ds:schemaRefs>
 </ds:datastoreItem>
 </file>
